--- a/Documents/Презентація_Терешкович_ІТ-02_ПредЗахист.pptx
+++ b/Documents/Презентація_Терешкович_ІТ-02_ПредЗахист.pptx
@@ -5,19 +5,21 @@
     <p:sldMasterId id="2147483659" r:id="rId1"/>
   </p:sldMasterIdLst>
   <p:notesMasterIdLst>
-    <p:notesMasterId r:id="rId12"/>
+    <p:notesMasterId r:id="rId14"/>
   </p:notesMasterIdLst>
   <p:sldIdLst>
     <p:sldId id="256" r:id="rId2"/>
     <p:sldId id="257" r:id="rId3"/>
     <p:sldId id="258" r:id="rId4"/>
     <p:sldId id="259" r:id="rId5"/>
-    <p:sldId id="260" r:id="rId6"/>
-    <p:sldId id="261" r:id="rId7"/>
-    <p:sldId id="262" r:id="rId8"/>
-    <p:sldId id="263" r:id="rId9"/>
-    <p:sldId id="264" r:id="rId10"/>
-    <p:sldId id="267" r:id="rId11"/>
+    <p:sldId id="269" r:id="rId6"/>
+    <p:sldId id="260" r:id="rId7"/>
+    <p:sldId id="261" r:id="rId8"/>
+    <p:sldId id="262" r:id="rId9"/>
+    <p:sldId id="268" r:id="rId10"/>
+    <p:sldId id="263" r:id="rId11"/>
+    <p:sldId id="264" r:id="rId12"/>
+    <p:sldId id="267" r:id="rId13"/>
   </p:sldIdLst>
   <p:sldSz cx="9144000" cy="5143500" type="screen16x9"/>
   <p:notesSz cx="6858000" cy="9144000"/>
@@ -16336,6 +16338,420 @@
   <p:cSld>
     <p:spTree>
       <p:nvGrpSpPr>
+        <p:cNvPr id="1" name="Shape 147"/>
+        <p:cNvGrpSpPr/>
+        <p:nvPr/>
+      </p:nvGrpSpPr>
+      <p:grpSpPr>
+        <a:xfrm>
+          <a:off x="0" y="0"/>
+          <a:ext cx="0" cy="0"/>
+          <a:chOff x="0" y="0"/>
+          <a:chExt cx="0" cy="0"/>
+        </a:xfrm>
+      </p:grpSpPr>
+      <p:sp>
+        <p:nvSpPr>
+          <p:cNvPr id="148" name="Google Shape;148;p20"/>
+          <p:cNvSpPr txBox="1">
+            <a:spLocks noGrp="1"/>
+          </p:cNvSpPr>
+          <p:nvPr>
+            <p:ph type="title"/>
+          </p:nvPr>
+        </p:nvSpPr>
+        <p:spPr>
+          <a:xfrm>
+            <a:off x="1435608" y="205978"/>
+            <a:ext cx="7498200" cy="857400"/>
+          </a:xfrm>
+          <a:prstGeom prst="rect">
+            <a:avLst/>
+          </a:prstGeom>
+          <a:noFill/>
+          <a:ln>
+            <a:noFill/>
+          </a:ln>
+        </p:spPr>
+        <p:txBody>
+          <a:bodyPr spcFirstLastPara="1" wrap="square" lIns="91425" tIns="45700" rIns="91425" bIns="45700" anchor="ctr" anchorCtr="0">
+            <a:normAutofit/>
+          </a:bodyPr>
+          <a:lstStyle/>
+          <a:p>
+            <a:pPr marL="0" lvl="0" indent="0" algn="l" rtl="0">
+              <a:lnSpc>
+                <a:spcPct val="100000"/>
+              </a:lnSpc>
+              <a:spcBef>
+                <a:spcPts val="0"/>
+              </a:spcBef>
+              <a:spcAft>
+                <a:spcPts val="0"/>
+              </a:spcAft>
+              <a:buClr>
+                <a:srgbClr val="562214"/>
+              </a:buClr>
+              <a:buSzPts val="4300"/>
+              <a:buFont typeface="Gill Sans"/>
+              <a:buNone/>
+            </a:pPr>
+            <a:r>
+              <a:rPr lang="ru-RU" dirty="0" err="1">
+                <a:latin typeface="Times New Roman" panose="02020603050405020304" pitchFamily="18" charset="0"/>
+                <a:cs typeface="Times New Roman" panose="02020603050405020304" pitchFamily="18" charset="0"/>
+              </a:rPr>
+              <a:t>Демонстрація</a:t>
+            </a:r>
+            <a:endParaRPr dirty="0">
+              <a:latin typeface="Times New Roman" panose="02020603050405020304" pitchFamily="18" charset="0"/>
+              <a:cs typeface="Times New Roman" panose="02020603050405020304" pitchFamily="18" charset="0"/>
+            </a:endParaRPr>
+          </a:p>
+        </p:txBody>
+      </p:sp>
+      <p:sp>
+        <p:nvSpPr>
+          <p:cNvPr id="149" name="Google Shape;149;p20"/>
+          <p:cNvSpPr txBox="1">
+            <a:spLocks noGrp="1"/>
+          </p:cNvSpPr>
+          <p:nvPr>
+            <p:ph type="body" idx="1"/>
+          </p:nvPr>
+        </p:nvSpPr>
+        <p:spPr>
+          <a:xfrm>
+            <a:off x="1435608" y="1085850"/>
+            <a:ext cx="7498200" cy="3600600"/>
+          </a:xfrm>
+          <a:prstGeom prst="rect">
+            <a:avLst/>
+          </a:prstGeom>
+          <a:noFill/>
+          <a:ln>
+            <a:noFill/>
+          </a:ln>
+        </p:spPr>
+        <p:txBody>
+          <a:bodyPr spcFirstLastPara="1" wrap="square" lIns="91425" tIns="45700" rIns="91425" bIns="45700" anchor="t" anchorCtr="0">
+            <a:normAutofit/>
+          </a:bodyPr>
+          <a:lstStyle/>
+          <a:p>
+            <a:pPr marL="0" marR="0" lvl="0" indent="0" algn="l" rtl="0">
+              <a:lnSpc>
+                <a:spcPct val="100000"/>
+              </a:lnSpc>
+              <a:spcBef>
+                <a:spcPts val="0"/>
+              </a:spcBef>
+              <a:spcAft>
+                <a:spcPts val="0"/>
+              </a:spcAft>
+              <a:buSzPts val="2560"/>
+              <a:buNone/>
+            </a:pPr>
+            <a:endParaRPr dirty="0"/>
+          </a:p>
+        </p:txBody>
+      </p:sp>
+      <p:sp>
+        <p:nvSpPr>
+          <p:cNvPr id="150" name="Google Shape;150;p20"/>
+          <p:cNvSpPr txBox="1">
+            <a:spLocks noGrp="1"/>
+          </p:cNvSpPr>
+          <p:nvPr>
+            <p:ph type="sldNum" idx="12"/>
+          </p:nvPr>
+        </p:nvSpPr>
+        <p:spPr>
+          <a:xfrm>
+            <a:off x="8686798" y="-12"/>
+            <a:ext cx="457200" cy="357000"/>
+          </a:xfrm>
+          <a:prstGeom prst="rect">
+            <a:avLst/>
+          </a:prstGeom>
+        </p:spPr>
+        <p:txBody>
+          <a:bodyPr spcFirstLastPara="1" wrap="square" lIns="91425" tIns="45700" rIns="91425" bIns="45700" anchor="b" anchorCtr="0">
+            <a:noAutofit/>
+          </a:bodyPr>
+          <a:lstStyle/>
+          <a:p>
+            <a:pPr marL="0" lvl="0" indent="0" algn="ctr" rtl="0">
+              <a:spcBef>
+                <a:spcPts val="0"/>
+              </a:spcBef>
+              <a:spcAft>
+                <a:spcPts val="0"/>
+              </a:spcAft>
+              <a:buClr>
+                <a:srgbClr val="000000"/>
+              </a:buClr>
+              <a:buSzPts val="1200"/>
+              <a:buFont typeface="Arial"/>
+              <a:buNone/>
+            </a:pPr>
+            <a:fld id="{00000000-1234-1234-1234-123412341234}" type="slidenum">
+              <a:rPr lang="ru-RU"/>
+              <a:t>10</a:t>
+            </a:fld>
+            <a:endParaRPr/>
+          </a:p>
+        </p:txBody>
+      </p:sp>
+    </p:spTree>
+  </p:cSld>
+  <p:clrMapOvr>
+    <a:masterClrMapping/>
+  </p:clrMapOvr>
+</p:sld>
+</file>
+
+<file path=ppt/slides/slide11.xml><?xml version="1.0" encoding="utf-8"?>
+<p:sld xmlns:a="http://schemas.openxmlformats.org/drawingml/2006/main" xmlns:r="http://schemas.openxmlformats.org/officeDocument/2006/relationships" xmlns:p="http://schemas.openxmlformats.org/presentationml/2006/main">
+  <p:cSld>
+    <p:spTree>
+      <p:nvGrpSpPr>
+        <p:cNvPr id="1" name="Shape 154"/>
+        <p:cNvGrpSpPr/>
+        <p:nvPr/>
+      </p:nvGrpSpPr>
+      <p:grpSpPr>
+        <a:xfrm>
+          <a:off x="0" y="0"/>
+          <a:ext cx="0" cy="0"/>
+          <a:chOff x="0" y="0"/>
+          <a:chExt cx="0" cy="0"/>
+        </a:xfrm>
+      </p:grpSpPr>
+      <p:sp>
+        <p:nvSpPr>
+          <p:cNvPr id="155" name="Google Shape;155;p21"/>
+          <p:cNvSpPr txBox="1">
+            <a:spLocks noGrp="1"/>
+          </p:cNvSpPr>
+          <p:nvPr>
+            <p:ph type="title"/>
+          </p:nvPr>
+        </p:nvSpPr>
+        <p:spPr>
+          <a:xfrm>
+            <a:off x="1435608" y="205978"/>
+            <a:ext cx="7498200" cy="857400"/>
+          </a:xfrm>
+          <a:prstGeom prst="rect">
+            <a:avLst/>
+          </a:prstGeom>
+          <a:noFill/>
+          <a:ln>
+            <a:noFill/>
+          </a:ln>
+        </p:spPr>
+        <p:txBody>
+          <a:bodyPr spcFirstLastPara="1" wrap="square" lIns="91425" tIns="45700" rIns="91425" bIns="45700" anchor="ctr" anchorCtr="0">
+            <a:normAutofit/>
+          </a:bodyPr>
+          <a:lstStyle/>
+          <a:p>
+            <a:pPr marL="0" lvl="0" indent="0" algn="l" rtl="0">
+              <a:lnSpc>
+                <a:spcPct val="100000"/>
+              </a:lnSpc>
+              <a:spcBef>
+                <a:spcPts val="0"/>
+              </a:spcBef>
+              <a:spcAft>
+                <a:spcPts val="0"/>
+              </a:spcAft>
+              <a:buClr>
+                <a:srgbClr val="562214"/>
+              </a:buClr>
+              <a:buSzPts val="4300"/>
+              <a:buFont typeface="Gill Sans"/>
+              <a:buNone/>
+            </a:pPr>
+            <a:r>
+              <a:rPr lang="ru-RU" dirty="0" err="1">
+                <a:latin typeface="Times New Roman" panose="02020603050405020304" pitchFamily="18" charset="0"/>
+                <a:cs typeface="Times New Roman" panose="02020603050405020304" pitchFamily="18" charset="0"/>
+              </a:rPr>
+              <a:t>Висновки</a:t>
+            </a:r>
+            <a:endParaRPr dirty="0">
+              <a:latin typeface="Times New Roman" panose="02020603050405020304" pitchFamily="18" charset="0"/>
+              <a:cs typeface="Times New Roman" panose="02020603050405020304" pitchFamily="18" charset="0"/>
+            </a:endParaRPr>
+          </a:p>
+        </p:txBody>
+      </p:sp>
+      <p:sp>
+        <p:nvSpPr>
+          <p:cNvPr id="156" name="Google Shape;156;p21"/>
+          <p:cNvSpPr txBox="1">
+            <a:spLocks noGrp="1"/>
+          </p:cNvSpPr>
+          <p:nvPr>
+            <p:ph type="body" idx="1"/>
+          </p:nvPr>
+        </p:nvSpPr>
+        <p:spPr>
+          <a:xfrm>
+            <a:off x="1435608" y="1085850"/>
+            <a:ext cx="7498200" cy="3600600"/>
+          </a:xfrm>
+          <a:prstGeom prst="rect">
+            <a:avLst/>
+          </a:prstGeom>
+          <a:noFill/>
+          <a:ln>
+            <a:noFill/>
+          </a:ln>
+        </p:spPr>
+        <p:txBody>
+          <a:bodyPr spcFirstLastPara="1" wrap="square" lIns="91425" tIns="45700" rIns="91425" bIns="45700" anchor="t" anchorCtr="0">
+            <a:normAutofit fontScale="85000" lnSpcReduction="10000"/>
+          </a:bodyPr>
+          <a:lstStyle/>
+          <a:p>
+            <a:pPr marL="0" lvl="0" indent="0" algn="l" rtl="0">
+              <a:lnSpc>
+                <a:spcPct val="100000"/>
+              </a:lnSpc>
+              <a:spcBef>
+                <a:spcPts val="0"/>
+              </a:spcBef>
+              <a:spcAft>
+                <a:spcPts val="0"/>
+              </a:spcAft>
+              <a:buSzPts val="2560"/>
+              <a:buNone/>
+            </a:pPr>
+            <a:r>
+              <a:rPr lang="uk-UA" sz="3200" dirty="0">
+                <a:latin typeface="Times New Roman" panose="02020603050405020304" pitchFamily="18" charset="0"/>
+                <a:cs typeface="Times New Roman" panose="02020603050405020304" pitchFamily="18" charset="0"/>
+              </a:rPr>
+              <a:t>Більшість поставлених</a:t>
+            </a:r>
+            <a:r>
+              <a:rPr lang="uk-UA" dirty="0">
+                <a:latin typeface="Times New Roman" panose="02020603050405020304" pitchFamily="18" charset="0"/>
+                <a:cs typeface="Times New Roman" panose="02020603050405020304" pitchFamily="18" charset="0"/>
+              </a:rPr>
+              <a:t> </a:t>
+            </a:r>
+            <a:r>
+              <a:rPr lang="uk-UA" sz="3200" dirty="0">
+                <a:latin typeface="Times New Roman" panose="02020603050405020304" pitchFamily="18" charset="0"/>
+                <a:cs typeface="Times New Roman" panose="02020603050405020304" pitchFamily="18" charset="0"/>
+              </a:rPr>
+              <a:t>на переддипломну практику задачі були виконані в повному обсязі. </a:t>
+            </a:r>
+            <a:br>
+              <a:rPr lang="uk-UA" sz="3200" dirty="0">
+                <a:latin typeface="Times New Roman" panose="02020603050405020304" pitchFamily="18" charset="0"/>
+                <a:cs typeface="Times New Roman" panose="02020603050405020304" pitchFamily="18" charset="0"/>
+              </a:rPr>
+            </a:br>
+            <a:r>
+              <a:rPr lang="uk-UA" sz="3200" dirty="0">
+                <a:latin typeface="Times New Roman" panose="02020603050405020304" pitchFamily="18" charset="0"/>
+                <a:cs typeface="Times New Roman" panose="02020603050405020304" pitchFamily="18" charset="0"/>
+              </a:rPr>
+              <a:t>	Розроблено програмне забезпечення, що вирішує всі поставлені функціональні задачі, такі як ігровий інтерфейс, механіки бою, функціонал магії та економіки, інтелект </a:t>
+            </a:r>
+            <a:r>
+              <a:rPr lang="uk-UA" sz="3200" dirty="0" err="1">
+                <a:latin typeface="Times New Roman" panose="02020603050405020304" pitchFamily="18" charset="0"/>
+                <a:cs typeface="Times New Roman" panose="02020603050405020304" pitchFamily="18" charset="0"/>
+              </a:rPr>
+              <a:t>врогів</a:t>
+            </a:r>
+            <a:r>
+              <a:rPr lang="uk-UA" dirty="0">
+                <a:latin typeface="Times New Roman" panose="02020603050405020304" pitchFamily="18" charset="0"/>
+                <a:cs typeface="Times New Roman" panose="02020603050405020304" pitchFamily="18" charset="0"/>
+              </a:rPr>
+              <a:t> і взаємодію з ігровими об’єктами</a:t>
+            </a:r>
+            <a:r>
+              <a:rPr lang="uk-UA" sz="3200" dirty="0">
+                <a:latin typeface="Times New Roman" panose="02020603050405020304" pitchFamily="18" charset="0"/>
+                <a:cs typeface="Times New Roman" panose="02020603050405020304" pitchFamily="18" charset="0"/>
+              </a:rPr>
+              <a:t>. Також було написано три розділи пояснювальної записки для дипломної роботи.</a:t>
+            </a:r>
+            <a:endParaRPr lang="uk-UA" dirty="0">
+              <a:latin typeface="Times New Roman" panose="02020603050405020304" pitchFamily="18" charset="0"/>
+              <a:cs typeface="Times New Roman" panose="02020603050405020304" pitchFamily="18" charset="0"/>
+            </a:endParaRPr>
+          </a:p>
+        </p:txBody>
+      </p:sp>
+      <p:sp>
+        <p:nvSpPr>
+          <p:cNvPr id="157" name="Google Shape;157;p21"/>
+          <p:cNvSpPr txBox="1">
+            <a:spLocks noGrp="1"/>
+          </p:cNvSpPr>
+          <p:nvPr>
+            <p:ph type="sldNum" idx="12"/>
+          </p:nvPr>
+        </p:nvSpPr>
+        <p:spPr>
+          <a:xfrm>
+            <a:off x="8686798" y="-12"/>
+            <a:ext cx="457200" cy="357000"/>
+          </a:xfrm>
+          <a:prstGeom prst="rect">
+            <a:avLst/>
+          </a:prstGeom>
+        </p:spPr>
+        <p:txBody>
+          <a:bodyPr spcFirstLastPara="1" wrap="square" lIns="91425" tIns="45700" rIns="91425" bIns="45700" anchor="b" anchorCtr="0">
+            <a:noAutofit/>
+          </a:bodyPr>
+          <a:lstStyle/>
+          <a:p>
+            <a:pPr marL="0" lvl="0" indent="0" algn="ctr" rtl="0">
+              <a:spcBef>
+                <a:spcPts val="0"/>
+              </a:spcBef>
+              <a:spcAft>
+                <a:spcPts val="0"/>
+              </a:spcAft>
+              <a:buClr>
+                <a:srgbClr val="000000"/>
+              </a:buClr>
+              <a:buSzPts val="1200"/>
+              <a:buFont typeface="Arial"/>
+              <a:buNone/>
+            </a:pPr>
+            <a:fld id="{00000000-1234-1234-1234-123412341234}" type="slidenum">
+              <a:rPr lang="ru-RU"/>
+              <a:t>11</a:t>
+            </a:fld>
+            <a:endParaRPr/>
+          </a:p>
+        </p:txBody>
+      </p:sp>
+    </p:spTree>
+  </p:cSld>
+  <p:clrMapOvr>
+    <a:masterClrMapping/>
+  </p:clrMapOvr>
+</p:sld>
+</file>
+
+<file path=ppt/slides/slide12.xml><?xml version="1.0" encoding="utf-8"?>
+<p:sld xmlns:a="http://schemas.openxmlformats.org/drawingml/2006/main" xmlns:r="http://schemas.openxmlformats.org/officeDocument/2006/relationships" xmlns:p="http://schemas.openxmlformats.org/presentationml/2006/main">
+  <p:cSld>
+    <p:spTree>
+      <p:nvGrpSpPr>
         <p:cNvPr id="1" name="Shape 176"/>
         <p:cNvGrpSpPr/>
         <p:nvPr/>
@@ -16463,7 +16879,7 @@
             </a:pPr>
             <a:fld id="{00000000-1234-1234-1234-123412341234}" type="slidenum">
               <a:rPr lang="ru-RU"/>
-              <a:t>10</a:t>
+              <a:t>12</a:t>
             </a:fld>
             <a:endParaRPr/>
           </a:p>
@@ -16622,21 +17038,98 @@
                 <a:latin typeface="Times New Roman" panose="02020603050405020304" pitchFamily="18" charset="0"/>
                 <a:cs typeface="Times New Roman" panose="02020603050405020304" pitchFamily="18" charset="0"/>
               </a:rPr>
-              <a:t>є актуальною та динамічною сферою, яка приваблює мільйони гравців завдяки можливості занурення у захоплюючі віртуальні світи. Пандемія </a:t>
+              <a:t>є актуальною та динамічною сферою, яка приваблює мільйони гравців завдяки можливості занурення у захоплюючі віртуальні світи. (</a:t>
             </a:r>
             <a:r>
-              <a:rPr lang="en-US" sz="2400" dirty="0">
+              <a:rPr lang="uk-UA" sz="2400" dirty="0" err="1">
                 <a:latin typeface="Times New Roman" panose="02020603050405020304" pitchFamily="18" charset="0"/>
                 <a:cs typeface="Times New Roman" panose="02020603050405020304" pitchFamily="18" charset="0"/>
               </a:rPr>
-              <a:t>COVID-19 </a:t>
+              <a:t>финансовые</a:t>
             </a:r>
             <a:r>
               <a:rPr lang="uk-UA" sz="2400" dirty="0">
                 <a:latin typeface="Times New Roman" panose="02020603050405020304" pitchFamily="18" charset="0"/>
                 <a:cs typeface="Times New Roman" panose="02020603050405020304" pitchFamily="18" charset="0"/>
               </a:rPr>
-              <a:t>сприяла зростанню попиту на інтерактивні розваги, оскільки люди шукали нові враження, перебуваючи вдома. Розвиток технологій та обладнання дозволяє створювати все більш реалістичні та занурюючі ігрові досвіди, що робить індустрію розробки ігор однією з найбільш інноваційних та затребуваних галузей сучасності.</a:t>
+              <a:t> </a:t>
+            </a:r>
+            <a:r>
+              <a:rPr lang="uk-UA" sz="2400" dirty="0" err="1">
+                <a:latin typeface="Times New Roman" panose="02020603050405020304" pitchFamily="18" charset="0"/>
+                <a:cs typeface="Times New Roman" panose="02020603050405020304" pitchFamily="18" charset="0"/>
+              </a:rPr>
+              <a:t>графики</a:t>
+            </a:r>
+            <a:r>
+              <a:rPr lang="uk-UA" sz="2400" dirty="0">
+                <a:latin typeface="Times New Roman" panose="02020603050405020304" pitchFamily="18" charset="0"/>
+                <a:cs typeface="Times New Roman" panose="02020603050405020304" pitchFamily="18" charset="0"/>
+              </a:rPr>
+              <a:t>, </a:t>
+            </a:r>
+            <a:r>
+              <a:rPr lang="uk-UA" sz="2400" dirty="0" err="1">
+                <a:latin typeface="Times New Roman" panose="02020603050405020304" pitchFamily="18" charset="0"/>
+                <a:cs typeface="Times New Roman" panose="02020603050405020304" pitchFamily="18" charset="0"/>
+              </a:rPr>
+              <a:t>количество</a:t>
+            </a:r>
+            <a:r>
+              <a:rPr lang="uk-UA" sz="2400" dirty="0">
+                <a:latin typeface="Times New Roman" panose="02020603050405020304" pitchFamily="18" charset="0"/>
+                <a:cs typeface="Times New Roman" panose="02020603050405020304" pitchFamily="18" charset="0"/>
+              </a:rPr>
+              <a:t> </a:t>
+            </a:r>
+            <a:r>
+              <a:rPr lang="uk-UA" sz="2400" dirty="0" err="1">
+                <a:latin typeface="Times New Roman" panose="02020603050405020304" pitchFamily="18" charset="0"/>
+                <a:cs typeface="Times New Roman" panose="02020603050405020304" pitchFamily="18" charset="0"/>
+              </a:rPr>
+              <a:t>игр</a:t>
+            </a:r>
+            <a:r>
+              <a:rPr lang="uk-UA" sz="2400" dirty="0">
+                <a:latin typeface="Times New Roman" panose="02020603050405020304" pitchFamily="18" charset="0"/>
+                <a:cs typeface="Times New Roman" panose="02020603050405020304" pitchFamily="18" charset="0"/>
+              </a:rPr>
+              <a:t>, </a:t>
+            </a:r>
+            <a:r>
+              <a:rPr lang="uk-UA" sz="2400" dirty="0" err="1">
+                <a:latin typeface="Times New Roman" panose="02020603050405020304" pitchFamily="18" charset="0"/>
+                <a:cs typeface="Times New Roman" panose="02020603050405020304" pitchFamily="18" charset="0"/>
+              </a:rPr>
+              <a:t>улучшение</a:t>
+            </a:r>
+            <a:r>
+              <a:rPr lang="uk-UA" sz="2400" dirty="0">
+                <a:latin typeface="Times New Roman" panose="02020603050405020304" pitchFamily="18" charset="0"/>
+                <a:cs typeface="Times New Roman" panose="02020603050405020304" pitchFamily="18" charset="0"/>
+              </a:rPr>
+              <a:t> </a:t>
+            </a:r>
+            <a:r>
+              <a:rPr lang="uk-UA" sz="2400" dirty="0" err="1">
+                <a:latin typeface="Times New Roman" panose="02020603050405020304" pitchFamily="18" charset="0"/>
+                <a:cs typeface="Times New Roman" panose="02020603050405020304" pitchFamily="18" charset="0"/>
+              </a:rPr>
+              <a:t>ши</a:t>
+            </a:r>
+            <a:r>
+              <a:rPr lang="uk-UA" sz="2400" dirty="0">
+                <a:latin typeface="Times New Roman" panose="02020603050405020304" pitchFamily="18" charset="0"/>
+                <a:cs typeface="Times New Roman" panose="02020603050405020304" pitchFamily="18" charset="0"/>
+              </a:rPr>
+              <a:t> </a:t>
+            </a:r>
+            <a:r>
+              <a:rPr lang="uk-UA" sz="2400" dirty="0" err="1">
+                <a:latin typeface="Times New Roman" panose="02020603050405020304" pitchFamily="18" charset="0"/>
+                <a:cs typeface="Times New Roman" panose="02020603050405020304" pitchFamily="18" charset="0"/>
+              </a:rPr>
+              <a:t>интелектов</a:t>
             </a:r>
             <a:endParaRPr sz="2400" dirty="0">
               <a:latin typeface="Times New Roman" panose="02020603050405020304" pitchFamily="18" charset="0"/>
@@ -16768,16 +17261,32 @@
                 <a:latin typeface="Times New Roman" panose="02020603050405020304" pitchFamily="18" charset="0"/>
                 <a:cs typeface="Times New Roman" panose="02020603050405020304" pitchFamily="18" charset="0"/>
               </a:rPr>
-              <a:t>Мета та </a:t>
+              <a:t>Мета </a:t>
+            </a:r>
+            <a:r>
+              <a:rPr lang="ru-RU" dirty="0">
+                <a:highlight>
+                  <a:srgbClr val="FFFF00"/>
+                </a:highlight>
+                <a:latin typeface="Times New Roman" panose="02020603050405020304" pitchFamily="18" charset="0"/>
+                <a:cs typeface="Times New Roman" panose="02020603050405020304" pitchFamily="18" charset="0"/>
+              </a:rPr>
+              <a:t>та </a:t>
             </a:r>
             <a:r>
               <a:rPr lang="ru-RU" dirty="0" err="1">
+                <a:highlight>
+                  <a:srgbClr val="FFFF00"/>
+                </a:highlight>
                 <a:latin typeface="Times New Roman" panose="02020603050405020304" pitchFamily="18" charset="0"/>
                 <a:cs typeface="Times New Roman" panose="02020603050405020304" pitchFamily="18" charset="0"/>
               </a:rPr>
               <a:t>призначення</a:t>
             </a:r>
             <a:endParaRPr dirty="0">
+              <a:highlight>
+                <a:srgbClr val="FFFF00"/>
+              </a:highlight>
               <a:latin typeface="Times New Roman" panose="02020603050405020304" pitchFamily="18" charset="0"/>
               <a:cs typeface="Times New Roman" panose="02020603050405020304" pitchFamily="18" charset="0"/>
             </a:endParaRPr>
@@ -16842,7 +17351,26 @@
               </a:rPr>
               <a:t>D RPG</a:t>
             </a:r>
-            <a:endParaRPr sz="4000" dirty="0"/>
+            <a:r>
+              <a:rPr lang="ru-RU" sz="2400" dirty="0">
+                <a:effectLst/>
+                <a:latin typeface="Times New Roman" panose="02020603050405020304" pitchFamily="18" charset="0"/>
+                <a:ea typeface="Times New Roman" panose="02020603050405020304" pitchFamily="18" charset="0"/>
+              </a:rPr>
+              <a:t> в </a:t>
+            </a:r>
+            <a:r>
+              <a:rPr lang="en-US" sz="2400" dirty="0">
+                <a:latin typeface="Times New Roman" panose="02020603050405020304" pitchFamily="18" charset="0"/>
+                <a:ea typeface="Times New Roman" panose="02020603050405020304" pitchFamily="18" charset="0"/>
+              </a:rPr>
+              <a:t>Unity.</a:t>
+            </a:r>
+            <a:endParaRPr lang="ru-RU" sz="2400" dirty="0">
+              <a:effectLst/>
+              <a:latin typeface="Times New Roman" panose="02020603050405020304" pitchFamily="18" charset="0"/>
+              <a:ea typeface="Times New Roman" panose="02020603050405020304" pitchFamily="18" charset="0"/>
+            </a:endParaRPr>
           </a:p>
         </p:txBody>
       </p:sp>
@@ -17116,11 +17644,60 @@
               <a:buFont typeface="Times New Roman" panose="02020603050405020304" pitchFamily="18" charset="0"/>
               <a:buChar char="–"/>
             </a:pPr>
-            <a:endParaRPr lang="uk-UA" sz="3100" dirty="0">
-              <a:effectLst/>
-              <a:latin typeface="Times New Roman" panose="02020603050405020304" pitchFamily="18" charset="0"/>
-              <a:ea typeface="Times New Roman" panose="02020603050405020304" pitchFamily="18" charset="0"/>
-            </a:endParaRPr>
+            <a:r>
+              <a:rPr lang="en-US" sz="3100" dirty="0">
+                <a:effectLst/>
+                <a:highlight>
+                  <a:srgbClr val="FFFF00"/>
+                </a:highlight>
+                <a:latin typeface="Times New Roman" panose="02020603050405020304" pitchFamily="18" charset="0"/>
+                <a:ea typeface="Times New Roman" panose="02020603050405020304" pitchFamily="18" charset="0"/>
+              </a:rPr>
+              <a:t>(C</a:t>
+            </a:r>
+            <a:r>
+              <a:rPr lang="ru-RU" sz="3100" dirty="0" err="1">
+                <a:effectLst/>
+                <a:highlight>
+                  <a:srgbClr val="FFFF00"/>
+                </a:highlight>
+                <a:latin typeface="Times New Roman" panose="02020603050405020304" pitchFamily="18" charset="0"/>
+                <a:ea typeface="Times New Roman" panose="02020603050405020304" pitchFamily="18" charset="0"/>
+              </a:rPr>
+              <a:t>истема</a:t>
+            </a:r>
+            <a:r>
+              <a:rPr lang="ru-RU" sz="3100" dirty="0">
+                <a:effectLst/>
+                <a:highlight>
+                  <a:srgbClr val="FFFF00"/>
+                </a:highlight>
+                <a:latin typeface="Times New Roman" panose="02020603050405020304" pitchFamily="18" charset="0"/>
+                <a:ea typeface="Times New Roman" panose="02020603050405020304" pitchFamily="18" charset="0"/>
+              </a:rPr>
+              <a:t> </a:t>
+            </a:r>
+            <a:r>
+              <a:rPr lang="uk-UA" sz="3100" dirty="0">
+                <a:highlight>
+                  <a:srgbClr val="FFFF00"/>
+                </a:highlight>
+                <a:latin typeface="Times New Roman" panose="02020603050405020304" pitchFamily="18" charset="0"/>
+                <a:ea typeface="Times New Roman" panose="02020603050405020304" pitchFamily="18" charset="0"/>
+              </a:rPr>
+              <a:t>розвитку</a:t>
+            </a:r>
+            <a:r>
+              <a:rPr lang="uk-UA" sz="3100" dirty="0">
+                <a:effectLst/>
+                <a:highlight>
+                  <a:srgbClr val="FFFF00"/>
+                </a:highlight>
+                <a:latin typeface="Times New Roman" panose="02020603050405020304" pitchFamily="18" charset="0"/>
+                <a:ea typeface="Times New Roman" panose="02020603050405020304" pitchFamily="18" charset="0"/>
+              </a:rPr>
+              <a:t>)</a:t>
+            </a:r>
           </a:p>
           <a:p>
             <a:pPr marL="137160" lvl="0" indent="0" algn="l" rtl="0">
@@ -17196,6 +17773,153 @@
 </file>
 
 <file path=ppt/slides/slide5.xml><?xml version="1.0" encoding="utf-8"?>
+<p:sld xmlns:a="http://schemas.openxmlformats.org/drawingml/2006/main" xmlns:r="http://schemas.openxmlformats.org/officeDocument/2006/relationships" xmlns:p="http://schemas.openxmlformats.org/presentationml/2006/main">
+  <p:cSld>
+    <p:spTree>
+      <p:nvGrpSpPr>
+        <p:cNvPr id="1" name=""/>
+        <p:cNvGrpSpPr/>
+        <p:nvPr/>
+      </p:nvGrpSpPr>
+      <p:grpSpPr>
+        <a:xfrm>
+          <a:off x="0" y="0"/>
+          <a:ext cx="0" cy="0"/>
+          <a:chOff x="0" y="0"/>
+          <a:chExt cx="0" cy="0"/>
+        </a:xfrm>
+      </p:grpSpPr>
+      <p:sp>
+        <p:nvSpPr>
+          <p:cNvPr id="2" name="Заголовок 1">
+            <a:extLst>
+              <a:ext uri="{FF2B5EF4-FFF2-40B4-BE49-F238E27FC236}">
+                <a16:creationId xmlns:a16="http://schemas.microsoft.com/office/drawing/2014/main" id="{53F2035E-FE25-449D-B783-DF03546EB14B}"/>
+              </a:ext>
+            </a:extLst>
+          </p:cNvPr>
+          <p:cNvSpPr>
+            <a:spLocks noGrp="1"/>
+          </p:cNvSpPr>
+          <p:nvPr>
+            <p:ph type="title"/>
+          </p:nvPr>
+        </p:nvSpPr>
+        <p:spPr/>
+        <p:txBody>
+          <a:bodyPr/>
+          <a:lstStyle/>
+          <a:p>
+            <a:r>
+              <a:rPr lang="uk-UA" dirty="0"/>
+              <a:t>Загальні класи ігор</a:t>
+            </a:r>
+          </a:p>
+        </p:txBody>
+      </p:sp>
+      <p:sp>
+        <p:nvSpPr>
+          <p:cNvPr id="3" name="Місце для тексту 2">
+            <a:extLst>
+              <a:ext uri="{FF2B5EF4-FFF2-40B4-BE49-F238E27FC236}">
+                <a16:creationId xmlns:a16="http://schemas.microsoft.com/office/drawing/2014/main" id="{7FB83199-EC53-4507-93A6-C144DAA16873}"/>
+              </a:ext>
+            </a:extLst>
+          </p:cNvPr>
+          <p:cNvSpPr>
+            <a:spLocks noGrp="1"/>
+          </p:cNvSpPr>
+          <p:nvPr>
+            <p:ph type="body" idx="1"/>
+          </p:nvPr>
+        </p:nvSpPr>
+        <p:spPr/>
+        <p:txBody>
+          <a:bodyPr/>
+          <a:lstStyle/>
+          <a:p>
+            <a:r>
+              <a:rPr lang="uk-UA" dirty="0"/>
+              <a:t>Фінансова</a:t>
+            </a:r>
+          </a:p>
+          <a:p>
+            <a:r>
+              <a:rPr lang="uk-UA" dirty="0" err="1"/>
+              <a:t>Показать</a:t>
+            </a:r>
+            <a:r>
+              <a:rPr lang="uk-UA" dirty="0"/>
+              <a:t> </a:t>
+            </a:r>
+            <a:r>
+              <a:rPr lang="uk-UA" dirty="0" err="1"/>
+              <a:t>механику</a:t>
+            </a:r>
+            <a:r>
+              <a:rPr lang="uk-UA" dirty="0"/>
+              <a:t> и </a:t>
+            </a:r>
+            <a:r>
+              <a:rPr lang="uk-UA" dirty="0" err="1"/>
+              <a:t>улучшение</a:t>
+            </a:r>
+            <a:endParaRPr lang="uk-UA" dirty="0"/>
+          </a:p>
+        </p:txBody>
+      </p:sp>
+      <p:sp>
+        <p:nvSpPr>
+          <p:cNvPr id="4" name="Місце для номера слайда 3">
+            <a:extLst>
+              <a:ext uri="{FF2B5EF4-FFF2-40B4-BE49-F238E27FC236}">
+                <a16:creationId xmlns:a16="http://schemas.microsoft.com/office/drawing/2014/main" id="{0E4F6D8A-322C-4568-B848-B3455643FB32}"/>
+              </a:ext>
+            </a:extLst>
+          </p:cNvPr>
+          <p:cNvSpPr>
+            <a:spLocks noGrp="1"/>
+          </p:cNvSpPr>
+          <p:nvPr>
+            <p:ph type="sldNum" idx="12"/>
+          </p:nvPr>
+        </p:nvSpPr>
+        <p:spPr/>
+        <p:txBody>
+          <a:bodyPr/>
+          <a:lstStyle/>
+          <a:p>
+            <a:pPr marL="0" lvl="0" indent="0" algn="ctr" rtl="0">
+              <a:spcBef>
+                <a:spcPts val="0"/>
+              </a:spcBef>
+              <a:spcAft>
+                <a:spcPts val="0"/>
+              </a:spcAft>
+              <a:buNone/>
+            </a:pPr>
+            <a:fld id="{00000000-1234-1234-1234-123412341234}" type="slidenum">
+              <a:rPr lang="ru-RU" smtClean="0"/>
+              <a:t>5</a:t>
+            </a:fld>
+            <a:endParaRPr lang="ru-RU"/>
+          </a:p>
+        </p:txBody>
+      </p:sp>
+    </p:spTree>
+    <p:extLst>
+      <p:ext uri="{BB962C8B-B14F-4D97-AF65-F5344CB8AC3E}">
+        <p14:creationId xmlns:p14="http://schemas.microsoft.com/office/powerpoint/2010/main" val="1039118045"/>
+      </p:ext>
+    </p:extLst>
+  </p:cSld>
+  <p:clrMapOvr>
+    <a:masterClrMapping/>
+  </p:clrMapOvr>
+</p:sld>
+</file>
+
+<file path=ppt/slides/slide6.xml><?xml version="1.0" encoding="utf-8"?>
 <p:sld xmlns:a="http://schemas.openxmlformats.org/drawingml/2006/main" xmlns:r="http://schemas.openxmlformats.org/officeDocument/2006/relationships" xmlns:p="http://schemas.openxmlformats.org/presentationml/2006/main">
   <p:cSld>
     <p:spTree>
@@ -17328,7 +18052,59 @@
               <a:buSzPts val="2560"/>
               <a:buNone/>
             </a:pPr>
-            <a:endParaRPr dirty="0"/>
+            <a:r>
+              <a:rPr lang="uk-UA" dirty="0">
+                <a:highlight>
+                  <a:srgbClr val="FFFF00"/>
+                </a:highlight>
+              </a:rPr>
+              <a:t>Добавить с </a:t>
+            </a:r>
+            <a:r>
+              <a:rPr lang="uk-UA" dirty="0" err="1">
+                <a:highlight>
+                  <a:srgbClr val="FFFF00"/>
+                </a:highlight>
+              </a:rPr>
+              <a:t>еще</a:t>
+            </a:r>
+            <a:r>
+              <a:rPr lang="uk-UA" dirty="0">
+                <a:highlight>
+                  <a:srgbClr val="FFFF00"/>
+                </a:highlight>
+              </a:rPr>
+              <a:t> одними </a:t>
+            </a:r>
+            <a:r>
+              <a:rPr lang="uk-UA" dirty="0" err="1">
+                <a:highlight>
+                  <a:srgbClr val="FFFF00"/>
+                </a:highlight>
+              </a:rPr>
+              <a:t>играми</a:t>
+            </a:r>
+            <a:r>
+              <a:rPr lang="uk-UA" dirty="0">
+                <a:highlight>
+                  <a:srgbClr val="FFFF00"/>
+                </a:highlight>
+              </a:rPr>
+              <a:t> </a:t>
+            </a:r>
+            <a:r>
+              <a:rPr lang="uk-UA" dirty="0" err="1">
+                <a:highlight>
+                  <a:srgbClr val="FFFF00"/>
+                </a:highlight>
+              </a:rPr>
+              <a:t>сравнение</a:t>
+            </a:r>
+            <a:endParaRPr dirty="0">
+              <a:highlight>
+                <a:srgbClr val="FFFF00"/>
+              </a:highlight>
+            </a:endParaRPr>
           </a:p>
         </p:txBody>
       </p:sp>
@@ -17373,7 +18149,7 @@
             </a:pPr>
             <a:fld id="{00000000-1234-1234-1234-123412341234}" type="slidenum">
               <a:rPr lang="ru-RU"/>
-              <a:t>5</a:t>
+              <a:t>6</a:t>
             </a:fld>
             <a:endParaRPr/>
           </a:p>
@@ -17394,13 +18170,13 @@
           <p:nvPr>
             <p:extLst>
               <p:ext uri="{D42A27DB-BD31-4B8C-83A1-F6EECF244321}">
-                <p14:modId xmlns:p14="http://schemas.microsoft.com/office/powerpoint/2010/main" val="3695600112"/>
+                <p14:modId xmlns:p14="http://schemas.microsoft.com/office/powerpoint/2010/main" val="4266521634"/>
               </p:ext>
             </p:extLst>
           </p:nvPr>
         </p:nvGraphicFramePr>
         <p:xfrm>
-          <a:off x="2136708" y="1459230"/>
+          <a:off x="2136708" y="1740218"/>
           <a:ext cx="6096000" cy="2519680"/>
         </p:xfrm>
         <a:graphic>
@@ -17763,7 +18539,7 @@
 </p:sld>
 </file>
 
-<file path=ppt/slides/slide6.xml><?xml version="1.0" encoding="utf-8"?>
+<file path=ppt/slides/slide7.xml><?xml version="1.0" encoding="utf-8"?>
 <p:sld xmlns:a="http://schemas.openxmlformats.org/drawingml/2006/main" xmlns:r="http://schemas.openxmlformats.org/officeDocument/2006/relationships" xmlns:p="http://schemas.openxmlformats.org/presentationml/2006/main">
   <p:cSld>
     <p:spTree>
@@ -17941,7 +18717,7 @@
             </a:pPr>
             <a:fld id="{00000000-1234-1234-1234-123412341234}" type="slidenum">
               <a:rPr lang="ru-RU"/>
-              <a:t>6</a:t>
+              <a:t>7</a:t>
             </a:fld>
             <a:endParaRPr/>
           </a:p>
@@ -17994,7 +18770,7 @@
 </p:sld>
 </file>
 
-<file path=ppt/slides/slide7.xml><?xml version="1.0" encoding="utf-8"?>
+<file path=ppt/slides/slide8.xml><?xml version="1.0" encoding="utf-8"?>
 <p:sld xmlns:a="http://schemas.openxmlformats.org/drawingml/2006/main" xmlns:r="http://schemas.openxmlformats.org/officeDocument/2006/relationships" xmlns:p="http://schemas.openxmlformats.org/presentationml/2006/main">
   <p:cSld>
     <p:spTree>
@@ -18036,7 +18812,7 @@
         </p:spPr>
         <p:txBody>
           <a:bodyPr spcFirstLastPara="1" wrap="square" lIns="91425" tIns="45700" rIns="91425" bIns="45700" anchor="ctr" anchorCtr="0">
-            <a:normAutofit/>
+            <a:normAutofit fontScale="90000"/>
           </a:bodyPr>
           <a:lstStyle/>
           <a:p>
@@ -18078,7 +18854,47 @@
               </a:rPr>
               <a:t>розробки</a:t>
             </a:r>
+            <a:r>
+              <a:rPr lang="ru-RU" dirty="0">
+                <a:latin typeface="Times New Roman" panose="02020603050405020304" pitchFamily="18" charset="0"/>
+                <a:cs typeface="Times New Roman" panose="02020603050405020304" pitchFamily="18" charset="0"/>
+              </a:rPr>
+              <a:t> </a:t>
+            </a:r>
+            <a:r>
+              <a:rPr lang="ru-RU" dirty="0">
+                <a:highlight>
+                  <a:srgbClr val="FFFF00"/>
+                </a:highlight>
+                <a:latin typeface="Times New Roman" panose="02020603050405020304" pitchFamily="18" charset="0"/>
+                <a:cs typeface="Times New Roman" panose="02020603050405020304" pitchFamily="18" charset="0"/>
+              </a:rPr>
+              <a:t>(гит хаб</a:t>
+            </a:r>
+            <a:r>
+              <a:rPr lang="en-US" dirty="0">
+                <a:highlight>
+                  <a:srgbClr val="FFFF00"/>
+                </a:highlight>
+                <a:latin typeface="Times New Roman" panose="02020603050405020304" pitchFamily="18" charset="0"/>
+                <a:cs typeface="Times New Roman" panose="02020603050405020304" pitchFamily="18" charset="0"/>
+              </a:rPr>
+              <a:t> photoshop</a:t>
+            </a:r>
+            <a:r>
+              <a:rPr lang="ru-RU" dirty="0">
+                <a:highlight>
+                  <a:srgbClr val="FFFF00"/>
+                </a:highlight>
+                <a:latin typeface="Times New Roman" panose="02020603050405020304" pitchFamily="18" charset="0"/>
+                <a:cs typeface="Times New Roman" panose="02020603050405020304" pitchFamily="18" charset="0"/>
+              </a:rPr>
+              <a:t>)</a:t>
+            </a:r>
             <a:endParaRPr dirty="0">
+              <a:highlight>
+                <a:srgbClr val="FFFF00"/>
+              </a:highlight>
               <a:latin typeface="Times New Roman" panose="02020603050405020304" pitchFamily="18" charset="0"/>
               <a:cs typeface="Times New Roman" panose="02020603050405020304" pitchFamily="18" charset="0"/>
             </a:endParaRPr>
@@ -18126,7 +18942,7 @@
             </a:pPr>
             <a:fld id="{00000000-1234-1234-1234-123412341234}" type="slidenum">
               <a:rPr lang="ru-RU"/>
-              <a:t>7</a:t>
+              <a:t>8</a:t>
             </a:fld>
             <a:endParaRPr/>
           </a:p>
@@ -18234,12 +19050,12 @@
 </p:sld>
 </file>
 
-<file path=ppt/slides/slide8.xml><?xml version="1.0" encoding="utf-8"?>
+<file path=ppt/slides/slide9.xml><?xml version="1.0" encoding="utf-8"?>
 <p:sld xmlns:a="http://schemas.openxmlformats.org/drawingml/2006/main" xmlns:r="http://schemas.openxmlformats.org/officeDocument/2006/relationships" xmlns:p="http://schemas.openxmlformats.org/presentationml/2006/main">
   <p:cSld>
     <p:spTree>
       <p:nvGrpSpPr>
-        <p:cNvPr id="1" name="Shape 147"/>
+        <p:cNvPr id="1" name=""/>
         <p:cNvGrpSpPr/>
         <p:nvPr/>
       </p:nvGrpSpPr>
@@ -18253,133 +19069,91 @@
       </p:grpSpPr>
       <p:sp>
         <p:nvSpPr>
-          <p:cNvPr id="148" name="Google Shape;148;p20"/>
-          <p:cNvSpPr txBox="1">
+          <p:cNvPr id="2" name="Заголовок 1">
+            <a:extLst>
+              <a:ext uri="{FF2B5EF4-FFF2-40B4-BE49-F238E27FC236}">
+                <a16:creationId xmlns:a16="http://schemas.microsoft.com/office/drawing/2014/main" id="{29D11215-9EE6-46DC-865F-690D87B58216}"/>
+              </a:ext>
+            </a:extLst>
+          </p:cNvPr>
+          <p:cNvSpPr>
             <a:spLocks noGrp="1"/>
           </p:cNvSpPr>
           <p:nvPr>
             <p:ph type="title"/>
           </p:nvPr>
         </p:nvSpPr>
-        <p:spPr>
-          <a:xfrm>
-            <a:off x="1435608" y="205978"/>
-            <a:ext cx="7498200" cy="857400"/>
-          </a:xfrm>
-          <a:prstGeom prst="rect">
-            <a:avLst/>
-          </a:prstGeom>
-          <a:noFill/>
-          <a:ln>
-            <a:noFill/>
-          </a:ln>
-        </p:spPr>
+        <p:spPr/>
         <p:txBody>
-          <a:bodyPr spcFirstLastPara="1" wrap="square" lIns="91425" tIns="45700" rIns="91425" bIns="45700" anchor="ctr" anchorCtr="0">
-            <a:normAutofit/>
+          <a:bodyPr>
+            <a:normAutofit fontScale="90000"/>
           </a:bodyPr>
           <a:lstStyle/>
           <a:p>
-            <a:pPr marL="0" lvl="0" indent="0" algn="l" rtl="0">
-              <a:lnSpc>
-                <a:spcPct val="100000"/>
-              </a:lnSpc>
-              <a:spcBef>
-                <a:spcPts val="0"/>
-              </a:spcBef>
-              <a:spcAft>
-                <a:spcPts val="0"/>
-              </a:spcAft>
-              <a:buClr>
-                <a:srgbClr val="562214"/>
-              </a:buClr>
-              <a:buSzPts val="4300"/>
-              <a:buFont typeface="Gill Sans"/>
-              <a:buNone/>
-            </a:pPr>
             <a:r>
-              <a:rPr lang="ru-RU" dirty="0" err="1">
-                <a:latin typeface="Times New Roman" panose="02020603050405020304" pitchFamily="18" charset="0"/>
-                <a:cs typeface="Times New Roman" panose="02020603050405020304" pitchFamily="18" charset="0"/>
-              </a:rPr>
-              <a:t>Демонстрація</a:t>
+              <a:rPr lang="ru-RU" dirty="0" err="1"/>
+              <a:t>Ігровий</a:t>
             </a:r>
-            <a:endParaRPr dirty="0">
-              <a:latin typeface="Times New Roman" panose="02020603050405020304" pitchFamily="18" charset="0"/>
-              <a:cs typeface="Times New Roman" panose="02020603050405020304" pitchFamily="18" charset="0"/>
-            </a:endParaRPr>
+            <a:r>
+              <a:rPr lang="ru-RU" dirty="0"/>
+              <a:t> </a:t>
+            </a:r>
+            <a:r>
+              <a:rPr lang="ru-RU" dirty="0" err="1"/>
+              <a:t>інтелект</a:t>
+            </a:r>
+            <a:r>
+              <a:rPr lang="ru-RU" dirty="0"/>
+              <a:t> (структура элементов игры)</a:t>
+            </a:r>
+            <a:endParaRPr lang="uk-UA" dirty="0"/>
           </a:p>
         </p:txBody>
       </p:sp>
       <p:sp>
         <p:nvSpPr>
-          <p:cNvPr id="149" name="Google Shape;149;p20"/>
-          <p:cNvSpPr txBox="1">
+          <p:cNvPr id="3" name="Місце для тексту 2">
+            <a:extLst>
+              <a:ext uri="{FF2B5EF4-FFF2-40B4-BE49-F238E27FC236}">
+                <a16:creationId xmlns:a16="http://schemas.microsoft.com/office/drawing/2014/main" id="{1943D6E1-FE2B-4149-8394-CF075C12FB93}"/>
+              </a:ext>
+            </a:extLst>
+          </p:cNvPr>
+          <p:cNvSpPr>
             <a:spLocks noGrp="1"/>
           </p:cNvSpPr>
           <p:nvPr>
             <p:ph type="body" idx="1"/>
           </p:nvPr>
         </p:nvSpPr>
-        <p:spPr>
-          <a:xfrm>
-            <a:off x="1435608" y="1085850"/>
-            <a:ext cx="7498200" cy="3600600"/>
-          </a:xfrm>
-          <a:prstGeom prst="rect">
-            <a:avLst/>
-          </a:prstGeom>
-          <a:noFill/>
-          <a:ln>
-            <a:noFill/>
-          </a:ln>
-        </p:spPr>
+        <p:spPr/>
         <p:txBody>
-          <a:bodyPr spcFirstLastPara="1" wrap="square" lIns="91425" tIns="45700" rIns="91425" bIns="45700" anchor="t" anchorCtr="0">
-            <a:normAutofit/>
-          </a:bodyPr>
+          <a:bodyPr/>
           <a:lstStyle/>
           <a:p>
-            <a:pPr marL="0" marR="0" lvl="0" indent="0" algn="l" rtl="0">
-              <a:lnSpc>
-                <a:spcPct val="100000"/>
-              </a:lnSpc>
-              <a:spcBef>
-                <a:spcPts val="0"/>
-              </a:spcBef>
-              <a:spcAft>
-                <a:spcPts val="0"/>
-              </a:spcAft>
-              <a:buSzPts val="2560"/>
-              <a:buNone/>
-            </a:pPr>
-            <a:endParaRPr dirty="0"/>
+            <a:endParaRPr lang="uk-UA" dirty="0"/>
           </a:p>
         </p:txBody>
       </p:sp>
       <p:sp>
         <p:nvSpPr>
-          <p:cNvPr id="150" name="Google Shape;150;p20"/>
-          <p:cNvSpPr txBox="1">
+          <p:cNvPr id="4" name="Місце для номера слайда 3">
+            <a:extLst>
+              <a:ext uri="{FF2B5EF4-FFF2-40B4-BE49-F238E27FC236}">
+                <a16:creationId xmlns:a16="http://schemas.microsoft.com/office/drawing/2014/main" id="{5F95664B-C5D1-4008-97D4-D095E2FF2EF0}"/>
+              </a:ext>
+            </a:extLst>
+          </p:cNvPr>
+          <p:cNvSpPr>
             <a:spLocks noGrp="1"/>
           </p:cNvSpPr>
           <p:nvPr>
             <p:ph type="sldNum" idx="12"/>
           </p:nvPr>
         </p:nvSpPr>
-        <p:spPr>
-          <a:xfrm>
-            <a:off x="8686798" y="-12"/>
-            <a:ext cx="457200" cy="357000"/>
-          </a:xfrm>
-          <a:prstGeom prst="rect">
-            <a:avLst/>
-          </a:prstGeom>
-        </p:spPr>
+        <p:spPr/>
         <p:txBody>
-          <a:bodyPr spcFirstLastPara="1" wrap="square" lIns="91425" tIns="45700" rIns="91425" bIns="45700" anchor="b" anchorCtr="0">
-            <a:noAutofit/>
-          </a:bodyPr>
+          <a:bodyPr/>
           <a:lstStyle/>
           <a:p>
             <a:pPr marL="0" lvl="0" indent="0" algn="ctr" rtl="0">
@@ -18389,258 +19163,22 @@
               <a:spcAft>
                 <a:spcPts val="0"/>
               </a:spcAft>
-              <a:buClr>
-                <a:srgbClr val="000000"/>
-              </a:buClr>
-              <a:buSzPts val="1200"/>
-              <a:buFont typeface="Arial"/>
               <a:buNone/>
             </a:pPr>
             <a:fld id="{00000000-1234-1234-1234-123412341234}" type="slidenum">
-              <a:rPr lang="ru-RU"/>
-              <a:t>8</a:t>
+              <a:rPr lang="ru-RU" smtClean="0"/>
+              <a:t>9</a:t>
             </a:fld>
-            <a:endParaRPr/>
+            <a:endParaRPr lang="ru-RU"/>
           </a:p>
         </p:txBody>
       </p:sp>
     </p:spTree>
-  </p:cSld>
-  <p:clrMapOvr>
-    <a:masterClrMapping/>
-  </p:clrMapOvr>
-</p:sld>
-</file>
-
-<file path=ppt/slides/slide9.xml><?xml version="1.0" encoding="utf-8"?>
-<p:sld xmlns:a="http://schemas.openxmlformats.org/drawingml/2006/main" xmlns:r="http://schemas.openxmlformats.org/officeDocument/2006/relationships" xmlns:p="http://schemas.openxmlformats.org/presentationml/2006/main">
-  <p:cSld>
-    <p:spTree>
-      <p:nvGrpSpPr>
-        <p:cNvPr id="1" name="Shape 154"/>
-        <p:cNvGrpSpPr/>
-        <p:nvPr/>
-      </p:nvGrpSpPr>
-      <p:grpSpPr>
-        <a:xfrm>
-          <a:off x="0" y="0"/>
-          <a:ext cx="0" cy="0"/>
-          <a:chOff x="0" y="0"/>
-          <a:chExt cx="0" cy="0"/>
-        </a:xfrm>
-      </p:grpSpPr>
-      <p:sp>
-        <p:nvSpPr>
-          <p:cNvPr id="155" name="Google Shape;155;p21"/>
-          <p:cNvSpPr txBox="1">
-            <a:spLocks noGrp="1"/>
-          </p:cNvSpPr>
-          <p:nvPr>
-            <p:ph type="title"/>
-          </p:nvPr>
-        </p:nvSpPr>
-        <p:spPr>
-          <a:xfrm>
-            <a:off x="1435608" y="205978"/>
-            <a:ext cx="7498200" cy="857400"/>
-          </a:xfrm>
-          <a:prstGeom prst="rect">
-            <a:avLst/>
-          </a:prstGeom>
-          <a:noFill/>
-          <a:ln>
-            <a:noFill/>
-          </a:ln>
-        </p:spPr>
-        <p:txBody>
-          <a:bodyPr spcFirstLastPara="1" wrap="square" lIns="91425" tIns="45700" rIns="91425" bIns="45700" anchor="ctr" anchorCtr="0">
-            <a:normAutofit/>
-          </a:bodyPr>
-          <a:lstStyle/>
-          <a:p>
-            <a:pPr marL="0" lvl="0" indent="0" algn="l" rtl="0">
-              <a:lnSpc>
-                <a:spcPct val="100000"/>
-              </a:lnSpc>
-              <a:spcBef>
-                <a:spcPts val="0"/>
-              </a:spcBef>
-              <a:spcAft>
-                <a:spcPts val="0"/>
-              </a:spcAft>
-              <a:buClr>
-                <a:srgbClr val="562214"/>
-              </a:buClr>
-              <a:buSzPts val="4300"/>
-              <a:buFont typeface="Gill Sans"/>
-              <a:buNone/>
-            </a:pPr>
-            <a:r>
-              <a:rPr lang="ru-RU" dirty="0" err="1">
-                <a:latin typeface="Times New Roman" panose="02020603050405020304" pitchFamily="18" charset="0"/>
-                <a:cs typeface="Times New Roman" panose="02020603050405020304" pitchFamily="18" charset="0"/>
-              </a:rPr>
-              <a:t>Висновки</a:t>
-            </a:r>
-            <a:endParaRPr dirty="0">
-              <a:latin typeface="Times New Roman" panose="02020603050405020304" pitchFamily="18" charset="0"/>
-              <a:cs typeface="Times New Roman" panose="02020603050405020304" pitchFamily="18" charset="0"/>
-            </a:endParaRPr>
-          </a:p>
-        </p:txBody>
-      </p:sp>
-      <p:sp>
-        <p:nvSpPr>
-          <p:cNvPr id="156" name="Google Shape;156;p21"/>
-          <p:cNvSpPr txBox="1">
-            <a:spLocks noGrp="1"/>
-          </p:cNvSpPr>
-          <p:nvPr>
-            <p:ph type="body" idx="1"/>
-          </p:nvPr>
-        </p:nvSpPr>
-        <p:spPr>
-          <a:xfrm>
-            <a:off x="1435608" y="1085850"/>
-            <a:ext cx="7498200" cy="3600600"/>
-          </a:xfrm>
-          <a:prstGeom prst="rect">
-            <a:avLst/>
-          </a:prstGeom>
-          <a:noFill/>
-          <a:ln>
-            <a:noFill/>
-          </a:ln>
-        </p:spPr>
-        <p:txBody>
-          <a:bodyPr spcFirstLastPara="1" wrap="square" lIns="91425" tIns="45700" rIns="91425" bIns="45700" anchor="t" anchorCtr="0">
-            <a:normAutofit fontScale="85000" lnSpcReduction="10000"/>
-          </a:bodyPr>
-          <a:lstStyle/>
-          <a:p>
-            <a:pPr marL="0" lvl="0" indent="0" algn="l" rtl="0">
-              <a:lnSpc>
-                <a:spcPct val="100000"/>
-              </a:lnSpc>
-              <a:spcBef>
-                <a:spcPts val="0"/>
-              </a:spcBef>
-              <a:spcAft>
-                <a:spcPts val="0"/>
-              </a:spcAft>
-              <a:buSzPts val="2560"/>
-              <a:buNone/>
-            </a:pPr>
-            <a:r>
-              <a:rPr lang="uk-UA" sz="3200" dirty="0">
-                <a:latin typeface="Times New Roman" panose="02020603050405020304" pitchFamily="18" charset="0"/>
-                <a:cs typeface="Times New Roman" panose="02020603050405020304" pitchFamily="18" charset="0"/>
-              </a:rPr>
-              <a:t>Більшість поставлених</a:t>
-            </a:r>
-            <a:r>
-              <a:rPr lang="uk-UA" dirty="0">
-                <a:latin typeface="Times New Roman" panose="02020603050405020304" pitchFamily="18" charset="0"/>
-                <a:cs typeface="Times New Roman" panose="02020603050405020304" pitchFamily="18" charset="0"/>
-              </a:rPr>
-              <a:t> </a:t>
-            </a:r>
-            <a:r>
-              <a:rPr lang="uk-UA" sz="3200" dirty="0">
-                <a:latin typeface="Times New Roman" panose="02020603050405020304" pitchFamily="18" charset="0"/>
-                <a:cs typeface="Times New Roman" panose="02020603050405020304" pitchFamily="18" charset="0"/>
-              </a:rPr>
-              <a:t>на переддипломну практику задачі були виконані в повному обсязі. </a:t>
-            </a:r>
-            <a:br>
-              <a:rPr lang="uk-UA" sz="3200" dirty="0">
-                <a:latin typeface="Times New Roman" panose="02020603050405020304" pitchFamily="18" charset="0"/>
-                <a:cs typeface="Times New Roman" panose="02020603050405020304" pitchFamily="18" charset="0"/>
-              </a:rPr>
-            </a:br>
-            <a:r>
-              <a:rPr lang="uk-UA" sz="3200" dirty="0">
-                <a:latin typeface="Times New Roman" panose="02020603050405020304" pitchFamily="18" charset="0"/>
-                <a:cs typeface="Times New Roman" panose="02020603050405020304" pitchFamily="18" charset="0"/>
-              </a:rPr>
-              <a:t>	Розроблено програмне забезпечення, що вирішує всі поставлені функціональні задачі, такі як ігровий інтерфейс, механіки бою, функціонал магії та економіки, інтелект </a:t>
-            </a:r>
-            <a:r>
-              <a:rPr lang="uk-UA" sz="3200" dirty="0" err="1">
-                <a:latin typeface="Times New Roman" panose="02020603050405020304" pitchFamily="18" charset="0"/>
-                <a:cs typeface="Times New Roman" panose="02020603050405020304" pitchFamily="18" charset="0"/>
-              </a:rPr>
-              <a:t>врогів</a:t>
-            </a:r>
-            <a:r>
-              <a:rPr lang="uk-UA" dirty="0">
-                <a:latin typeface="Times New Roman" panose="02020603050405020304" pitchFamily="18" charset="0"/>
-                <a:cs typeface="Times New Roman" panose="02020603050405020304" pitchFamily="18" charset="0"/>
-              </a:rPr>
-              <a:t> і взаємодію з ігровими об’єктами</a:t>
-            </a:r>
-            <a:r>
-              <a:rPr lang="uk-UA" sz="3200" dirty="0">
-                <a:latin typeface="Times New Roman" panose="02020603050405020304" pitchFamily="18" charset="0"/>
-                <a:cs typeface="Times New Roman" panose="02020603050405020304" pitchFamily="18" charset="0"/>
-              </a:rPr>
-              <a:t>. Також було написано три розділи пояснювальної записки для дипломної роботи.</a:t>
-            </a:r>
-            <a:endParaRPr lang="uk-UA" dirty="0">
-              <a:latin typeface="Times New Roman" panose="02020603050405020304" pitchFamily="18" charset="0"/>
-              <a:cs typeface="Times New Roman" panose="02020603050405020304" pitchFamily="18" charset="0"/>
-            </a:endParaRPr>
-          </a:p>
-        </p:txBody>
-      </p:sp>
-      <p:sp>
-        <p:nvSpPr>
-          <p:cNvPr id="157" name="Google Shape;157;p21"/>
-          <p:cNvSpPr txBox="1">
-            <a:spLocks noGrp="1"/>
-          </p:cNvSpPr>
-          <p:nvPr>
-            <p:ph type="sldNum" idx="12"/>
-          </p:nvPr>
-        </p:nvSpPr>
-        <p:spPr>
-          <a:xfrm>
-            <a:off x="8686798" y="-12"/>
-            <a:ext cx="457200" cy="357000"/>
-          </a:xfrm>
-          <a:prstGeom prst="rect">
-            <a:avLst/>
-          </a:prstGeom>
-        </p:spPr>
-        <p:txBody>
-          <a:bodyPr spcFirstLastPara="1" wrap="square" lIns="91425" tIns="45700" rIns="91425" bIns="45700" anchor="b" anchorCtr="0">
-            <a:noAutofit/>
-          </a:bodyPr>
-          <a:lstStyle/>
-          <a:p>
-            <a:pPr marL="0" lvl="0" indent="0" algn="ctr" rtl="0">
-              <a:spcBef>
-                <a:spcPts val="0"/>
-              </a:spcBef>
-              <a:spcAft>
-                <a:spcPts val="0"/>
-              </a:spcAft>
-              <a:buClr>
-                <a:srgbClr val="000000"/>
-              </a:buClr>
-              <a:buSzPts val="1200"/>
-              <a:buFont typeface="Arial"/>
-              <a:buNone/>
-            </a:pPr>
-            <a:fld id="{00000000-1234-1234-1234-123412341234}" type="slidenum">
-              <a:rPr lang="ru-RU"/>
-              <a:t>9</a:t>
-            </a:fld>
-            <a:endParaRPr/>
-          </a:p>
-        </p:txBody>
-      </p:sp>
-    </p:spTree>
+    <p:extLst>
+      <p:ext uri="{BB962C8B-B14F-4D97-AF65-F5344CB8AC3E}">
+        <p14:creationId xmlns:p14="http://schemas.microsoft.com/office/powerpoint/2010/main" val="2726880049"/>
+      </p:ext>
+    </p:extLst>
   </p:cSld>
   <p:clrMapOvr>
     <a:masterClrMapping/>

--- a/Documents/Презентація_Терешкович_ІТ-02_ПредЗахист.pptx
+++ b/Documents/Презентація_Терешкович_ІТ-02_ПредЗахист.pptx
@@ -17090,46 +17090,11 @@
               <a:t>игр</a:t>
             </a:r>
             <a:r>
-              <a:rPr lang="uk-UA" sz="2400" dirty="0">
+              <a:rPr lang="en-US" sz="2400" dirty="0">
                 <a:latin typeface="Times New Roman" panose="02020603050405020304" pitchFamily="18" charset="0"/>
                 <a:cs typeface="Times New Roman" panose="02020603050405020304" pitchFamily="18" charset="0"/>
               </a:rPr>
-              <a:t>, </a:t>
-            </a:r>
-            <a:r>
-              <a:rPr lang="uk-UA" sz="2400" dirty="0" err="1">
-                <a:latin typeface="Times New Roman" panose="02020603050405020304" pitchFamily="18" charset="0"/>
-                <a:cs typeface="Times New Roman" panose="02020603050405020304" pitchFamily="18" charset="0"/>
-              </a:rPr>
-              <a:t>улучшение</a:t>
-            </a:r>
-            <a:r>
-              <a:rPr lang="uk-UA" sz="2400" dirty="0">
-                <a:latin typeface="Times New Roman" panose="02020603050405020304" pitchFamily="18" charset="0"/>
-                <a:cs typeface="Times New Roman" panose="02020603050405020304" pitchFamily="18" charset="0"/>
-              </a:rPr>
-              <a:t> </a:t>
-            </a:r>
-            <a:r>
-              <a:rPr lang="uk-UA" sz="2400" dirty="0" err="1">
-                <a:latin typeface="Times New Roman" panose="02020603050405020304" pitchFamily="18" charset="0"/>
-                <a:cs typeface="Times New Roman" panose="02020603050405020304" pitchFamily="18" charset="0"/>
-              </a:rPr>
-              <a:t>ши</a:t>
-            </a:r>
-            <a:r>
-              <a:rPr lang="uk-UA" sz="2400" dirty="0">
-                <a:latin typeface="Times New Roman" panose="02020603050405020304" pitchFamily="18" charset="0"/>
-                <a:cs typeface="Times New Roman" panose="02020603050405020304" pitchFamily="18" charset="0"/>
-              </a:rPr>
-              <a:t> </a:t>
-            </a:r>
-            <a:r>
-              <a:rPr lang="uk-UA" sz="2400" dirty="0" err="1">
-                <a:latin typeface="Times New Roman" panose="02020603050405020304" pitchFamily="18" charset="0"/>
-                <a:cs typeface="Times New Roman" panose="02020603050405020304" pitchFamily="18" charset="0"/>
-              </a:rPr>
-              <a:t>интелектов</a:t>
+              <a:t>)</a:t>
             </a:r>
             <a:endParaRPr sz="2400" dirty="0">
               <a:latin typeface="Times New Roman" panose="02020603050405020304" pitchFamily="18" charset="0"/>

--- a/Documents/Презентація_Терешкович_ІТ-02_ПредЗахист.pptx
+++ b/Documents/Презентація_Терешкович_ІТ-02_ПредЗахист.pptx
@@ -5,7 +5,7 @@
     <p:sldMasterId id="2147483659" r:id="rId1"/>
   </p:sldMasterIdLst>
   <p:notesMasterIdLst>
-    <p:notesMasterId r:id="rId14"/>
+    <p:notesMasterId r:id="rId17"/>
   </p:notesMasterIdLst>
   <p:sldIdLst>
     <p:sldId id="256" r:id="rId2"/>
@@ -15,11 +15,14 @@
     <p:sldId id="269" r:id="rId6"/>
     <p:sldId id="260" r:id="rId7"/>
     <p:sldId id="261" r:id="rId8"/>
-    <p:sldId id="262" r:id="rId9"/>
-    <p:sldId id="268" r:id="rId10"/>
-    <p:sldId id="263" r:id="rId11"/>
-    <p:sldId id="264" r:id="rId12"/>
-    <p:sldId id="267" r:id="rId13"/>
+    <p:sldId id="270" r:id="rId9"/>
+    <p:sldId id="272" r:id="rId10"/>
+    <p:sldId id="271" r:id="rId11"/>
+    <p:sldId id="262" r:id="rId12"/>
+    <p:sldId id="268" r:id="rId13"/>
+    <p:sldId id="263" r:id="rId14"/>
+    <p:sldId id="264" r:id="rId15"/>
+    <p:sldId id="267" r:id="rId16"/>
   </p:sldIdLst>
   <p:sldSz cx="9144000" cy="5143500" type="screen16x9"/>
   <p:notesSz cx="6858000" cy="9144000"/>
@@ -977,6 +980,128 @@
   <p:cSld>
     <p:spTree>
       <p:nvGrpSpPr>
+        <p:cNvPr id="1" name="Shape 151"/>
+        <p:cNvGrpSpPr/>
+        <p:nvPr/>
+      </p:nvGrpSpPr>
+      <p:grpSpPr>
+        <a:xfrm>
+          <a:off x="0" y="0"/>
+          <a:ext cx="0" cy="0"/>
+          <a:chOff x="0" y="0"/>
+          <a:chExt cx="0" cy="0"/>
+        </a:xfrm>
+      </p:grpSpPr>
+      <p:sp>
+        <p:nvSpPr>
+          <p:cNvPr id="152" name="Google Shape;152;p9:notes"/>
+          <p:cNvSpPr txBox="1">
+            <a:spLocks noGrp="1"/>
+          </p:cNvSpPr>
+          <p:nvPr>
+            <p:ph type="body" idx="1"/>
+          </p:nvPr>
+        </p:nvSpPr>
+        <p:spPr>
+          <a:xfrm>
+            <a:off x="685800" y="4343400"/>
+            <a:ext cx="5486400" cy="4114800"/>
+          </a:xfrm>
+          <a:prstGeom prst="rect">
+            <a:avLst/>
+          </a:prstGeom>
+          <a:noFill/>
+          <a:ln>
+            <a:noFill/>
+          </a:ln>
+        </p:spPr>
+        <p:txBody>
+          <a:bodyPr spcFirstLastPara="1" wrap="square" lIns="91425" tIns="91425" rIns="91425" bIns="91425" anchor="t" anchorCtr="0">
+            <a:noAutofit/>
+          </a:bodyPr>
+          <a:lstStyle/>
+          <a:p>
+            <a:pPr marL="0" lvl="0" indent="0" algn="l" rtl="0">
+              <a:lnSpc>
+                <a:spcPct val="100000"/>
+              </a:lnSpc>
+              <a:spcBef>
+                <a:spcPts val="0"/>
+              </a:spcBef>
+              <a:spcAft>
+                <a:spcPts val="0"/>
+              </a:spcAft>
+              <a:buSzPts val="1100"/>
+              <a:buNone/>
+            </a:pPr>
+            <a:endParaRPr/>
+          </a:p>
+        </p:txBody>
+      </p:sp>
+      <p:sp>
+        <p:nvSpPr>
+          <p:cNvPr id="153" name="Google Shape;153;p9:notes"/>
+          <p:cNvSpPr>
+            <a:spLocks noGrp="1" noRot="1" noChangeAspect="1"/>
+          </p:cNvSpPr>
+          <p:nvPr>
+            <p:ph type="sldImg" idx="2"/>
+          </p:nvPr>
+        </p:nvSpPr>
+        <p:spPr>
+          <a:xfrm>
+            <a:off x="381000" y="685800"/>
+            <a:ext cx="6096000" cy="3429000"/>
+          </a:xfrm>
+          <a:custGeom>
+            <a:avLst/>
+            <a:gdLst/>
+            <a:ahLst/>
+            <a:cxnLst/>
+            <a:rect l="l" t="t" r="r" b="b"/>
+            <a:pathLst>
+              <a:path w="120000" h="120000" extrusionOk="0">
+                <a:moveTo>
+                  <a:pt x="0" y="0"/>
+                </a:moveTo>
+                <a:lnTo>
+                  <a:pt x="120000" y="0"/>
+                </a:lnTo>
+                <a:lnTo>
+                  <a:pt x="120000" y="120000"/>
+                </a:lnTo>
+                <a:lnTo>
+                  <a:pt x="0" y="120000"/>
+                </a:lnTo>
+                <a:close/>
+              </a:path>
+            </a:pathLst>
+          </a:custGeom>
+          <a:noFill/>
+          <a:ln w="9525" cap="flat" cmpd="sng">
+            <a:solidFill>
+              <a:srgbClr val="000000"/>
+            </a:solidFill>
+            <a:prstDash val="solid"/>
+            <a:round/>
+            <a:headEnd type="none" w="sm" len="sm"/>
+            <a:tailEnd type="none" w="sm" len="sm"/>
+          </a:ln>
+        </p:spPr>
+      </p:sp>
+    </p:spTree>
+  </p:cSld>
+  <p:clrMapOvr>
+    <a:masterClrMapping/>
+  </p:clrMapOvr>
+</p:notes>
+</file>
+
+<file path=ppt/notesSlides/notesSlide11.xml><?xml version="1.0" encoding="utf-8"?>
+<p:notes xmlns:a="http://schemas.openxmlformats.org/drawingml/2006/main" xmlns:r="http://schemas.openxmlformats.org/officeDocument/2006/relationships" xmlns:p="http://schemas.openxmlformats.org/presentationml/2006/main" showMasterSp="0" showMasterPhAnim="0">
+  <p:cSld>
+    <p:spTree>
+      <p:nvGrpSpPr>
         <p:cNvPr id="1" name="Shape 173"/>
         <p:cNvGrpSpPr/>
         <p:nvPr/>
@@ -1461,6 +1586,72 @@
 </file>
 
 <file path=ppt/notesSlides/notesSlide5.xml><?xml version="1.0" encoding="utf-8"?>
+<p:notes xmlns:a="http://schemas.openxmlformats.org/drawingml/2006/main" xmlns:r="http://schemas.openxmlformats.org/officeDocument/2006/relationships" xmlns:p="http://schemas.openxmlformats.org/presentationml/2006/main">
+  <p:cSld>
+    <p:spTree>
+      <p:nvGrpSpPr>
+        <p:cNvPr id="1" name=""/>
+        <p:cNvGrpSpPr/>
+        <p:nvPr/>
+      </p:nvGrpSpPr>
+      <p:grpSpPr>
+        <a:xfrm>
+          <a:off x="0" y="0"/>
+          <a:ext cx="0" cy="0"/>
+          <a:chOff x="0" y="0"/>
+          <a:chExt cx="0" cy="0"/>
+        </a:xfrm>
+      </p:grpSpPr>
+      <p:sp>
+        <p:nvSpPr>
+          <p:cNvPr id="2" name="Місце для зображення 1"/>
+          <p:cNvSpPr>
+            <a:spLocks noGrp="1" noRot="1" noChangeAspect="1"/>
+          </p:cNvSpPr>
+          <p:nvPr>
+            <p:ph type="sldImg"/>
+          </p:nvPr>
+        </p:nvSpPr>
+        <p:spPr>
+          <a:xfrm>
+            <a:off x="381000" y="685800"/>
+            <a:ext cx="6096000" cy="3429000"/>
+          </a:xfrm>
+        </p:spPr>
+      </p:sp>
+      <p:sp>
+        <p:nvSpPr>
+          <p:cNvPr id="3" name="Місце для нотаток 2"/>
+          <p:cNvSpPr>
+            <a:spLocks noGrp="1"/>
+          </p:cNvSpPr>
+          <p:nvPr>
+            <p:ph type="body" idx="1"/>
+          </p:nvPr>
+        </p:nvSpPr>
+        <p:spPr/>
+        <p:txBody>
+          <a:bodyPr/>
+          <a:lstStyle/>
+          <a:p>
+            <a:endParaRPr lang="uk-UA" noProof="0" dirty="0"/>
+          </a:p>
+        </p:txBody>
+      </p:sp>
+    </p:spTree>
+    <p:extLst>
+      <p:ext uri="{BB962C8B-B14F-4D97-AF65-F5344CB8AC3E}">
+        <p14:creationId xmlns:p14="http://schemas.microsoft.com/office/powerpoint/2010/main" val="196663699"/>
+      </p:ext>
+    </p:extLst>
+  </p:cSld>
+  <p:clrMapOvr>
+    <a:masterClrMapping/>
+  </p:clrMapOvr>
+</p:notes>
+</file>
+
+<file path=ppt/notesSlides/notesSlide6.xml><?xml version="1.0" encoding="utf-8"?>
 <p:notes xmlns:a="http://schemas.openxmlformats.org/drawingml/2006/main" xmlns:r="http://schemas.openxmlformats.org/officeDocument/2006/relationships" xmlns:p="http://schemas.openxmlformats.org/presentationml/2006/main" showMasterSp="0" showMasterPhAnim="0">
   <p:cSld>
     <p:spTree>
@@ -1582,7 +1773,7 @@
 </p:notes>
 </file>
 
-<file path=ppt/notesSlides/notesSlide6.xml><?xml version="1.0" encoding="utf-8"?>
+<file path=ppt/notesSlides/notesSlide7.xml><?xml version="1.0" encoding="utf-8"?>
 <p:notes xmlns:a="http://schemas.openxmlformats.org/drawingml/2006/main" xmlns:r="http://schemas.openxmlformats.org/officeDocument/2006/relationships" xmlns:p="http://schemas.openxmlformats.org/presentationml/2006/main" showMasterSp="0" showMasterPhAnim="0">
   <p:cSld>
     <p:spTree>
@@ -1704,7 +1895,7 @@
 </p:notes>
 </file>
 
-<file path=ppt/notesSlides/notesSlide7.xml><?xml version="1.0" encoding="utf-8"?>
+<file path=ppt/notesSlides/notesSlide8.xml><?xml version="1.0" encoding="utf-8"?>
 <p:notes xmlns:a="http://schemas.openxmlformats.org/drawingml/2006/main" xmlns:r="http://schemas.openxmlformats.org/officeDocument/2006/relationships" xmlns:p="http://schemas.openxmlformats.org/presentationml/2006/main" showMasterSp="0" showMasterPhAnim="0">
   <p:cSld>
     <p:spTree>
@@ -1826,7 +2017,7 @@
 </p:notes>
 </file>
 
-<file path=ppt/notesSlides/notesSlide8.xml><?xml version="1.0" encoding="utf-8"?>
+<file path=ppt/notesSlides/notesSlide9.xml><?xml version="1.0" encoding="utf-8"?>
 <p:notes xmlns:a="http://schemas.openxmlformats.org/drawingml/2006/main" xmlns:r="http://schemas.openxmlformats.org/officeDocument/2006/relationships" xmlns:p="http://schemas.openxmlformats.org/presentationml/2006/main" showMasterSp="0" showMasterPhAnim="0">
   <p:cSld>
     <p:spTree>
@@ -1892,128 +2083,6 @@
       <p:sp>
         <p:nvSpPr>
           <p:cNvPr id="146" name="Google Shape;146;p8:notes"/>
-          <p:cNvSpPr>
-            <a:spLocks noGrp="1" noRot="1" noChangeAspect="1"/>
-          </p:cNvSpPr>
-          <p:nvPr>
-            <p:ph type="sldImg" idx="2"/>
-          </p:nvPr>
-        </p:nvSpPr>
-        <p:spPr>
-          <a:xfrm>
-            <a:off x="381000" y="685800"/>
-            <a:ext cx="6096000" cy="3429000"/>
-          </a:xfrm>
-          <a:custGeom>
-            <a:avLst/>
-            <a:gdLst/>
-            <a:ahLst/>
-            <a:cxnLst/>
-            <a:rect l="l" t="t" r="r" b="b"/>
-            <a:pathLst>
-              <a:path w="120000" h="120000" extrusionOk="0">
-                <a:moveTo>
-                  <a:pt x="0" y="0"/>
-                </a:moveTo>
-                <a:lnTo>
-                  <a:pt x="120000" y="0"/>
-                </a:lnTo>
-                <a:lnTo>
-                  <a:pt x="120000" y="120000"/>
-                </a:lnTo>
-                <a:lnTo>
-                  <a:pt x="0" y="120000"/>
-                </a:lnTo>
-                <a:close/>
-              </a:path>
-            </a:pathLst>
-          </a:custGeom>
-          <a:noFill/>
-          <a:ln w="9525" cap="flat" cmpd="sng">
-            <a:solidFill>
-              <a:srgbClr val="000000"/>
-            </a:solidFill>
-            <a:prstDash val="solid"/>
-            <a:round/>
-            <a:headEnd type="none" w="sm" len="sm"/>
-            <a:tailEnd type="none" w="sm" len="sm"/>
-          </a:ln>
-        </p:spPr>
-      </p:sp>
-    </p:spTree>
-  </p:cSld>
-  <p:clrMapOvr>
-    <a:masterClrMapping/>
-  </p:clrMapOvr>
-</p:notes>
-</file>
-
-<file path=ppt/notesSlides/notesSlide9.xml><?xml version="1.0" encoding="utf-8"?>
-<p:notes xmlns:a="http://schemas.openxmlformats.org/drawingml/2006/main" xmlns:r="http://schemas.openxmlformats.org/officeDocument/2006/relationships" xmlns:p="http://schemas.openxmlformats.org/presentationml/2006/main" showMasterSp="0" showMasterPhAnim="0">
-  <p:cSld>
-    <p:spTree>
-      <p:nvGrpSpPr>
-        <p:cNvPr id="1" name="Shape 151"/>
-        <p:cNvGrpSpPr/>
-        <p:nvPr/>
-      </p:nvGrpSpPr>
-      <p:grpSpPr>
-        <a:xfrm>
-          <a:off x="0" y="0"/>
-          <a:ext cx="0" cy="0"/>
-          <a:chOff x="0" y="0"/>
-          <a:chExt cx="0" cy="0"/>
-        </a:xfrm>
-      </p:grpSpPr>
-      <p:sp>
-        <p:nvSpPr>
-          <p:cNvPr id="152" name="Google Shape;152;p9:notes"/>
-          <p:cNvSpPr txBox="1">
-            <a:spLocks noGrp="1"/>
-          </p:cNvSpPr>
-          <p:nvPr>
-            <p:ph type="body" idx="1"/>
-          </p:nvPr>
-        </p:nvSpPr>
-        <p:spPr>
-          <a:xfrm>
-            <a:off x="685800" y="4343400"/>
-            <a:ext cx="5486400" cy="4114800"/>
-          </a:xfrm>
-          <a:prstGeom prst="rect">
-            <a:avLst/>
-          </a:prstGeom>
-          <a:noFill/>
-          <a:ln>
-            <a:noFill/>
-          </a:ln>
-        </p:spPr>
-        <p:txBody>
-          <a:bodyPr spcFirstLastPara="1" wrap="square" lIns="91425" tIns="91425" rIns="91425" bIns="91425" anchor="t" anchorCtr="0">
-            <a:noAutofit/>
-          </a:bodyPr>
-          <a:lstStyle/>
-          <a:p>
-            <a:pPr marL="0" lvl="0" indent="0" algn="l" rtl="0">
-              <a:lnSpc>
-                <a:spcPct val="100000"/>
-              </a:lnSpc>
-              <a:spcBef>
-                <a:spcPts val="0"/>
-              </a:spcBef>
-              <a:spcAft>
-                <a:spcPts val="0"/>
-              </a:spcAft>
-              <a:buSzPts val="1100"/>
-              <a:buNone/>
-            </a:pPr>
-            <a:endParaRPr/>
-          </a:p>
-        </p:txBody>
-      </p:sp>
-      <p:sp>
-        <p:nvSpPr>
-          <p:cNvPr id="153" name="Google Shape;153;p9:notes"/>
           <p:cNvSpPr>
             <a:spLocks noGrp="1" noRot="1" noChangeAspect="1"/>
           </p:cNvSpPr>
@@ -16338,6 +16407,786 @@
   <p:cSld>
     <p:spTree>
       <p:nvGrpSpPr>
+        <p:cNvPr id="1" name=""/>
+        <p:cNvGrpSpPr/>
+        <p:nvPr/>
+      </p:nvGrpSpPr>
+      <p:grpSpPr>
+        <a:xfrm>
+          <a:off x="0" y="0"/>
+          <a:ext cx="0" cy="0"/>
+          <a:chOff x="0" y="0"/>
+          <a:chExt cx="0" cy="0"/>
+        </a:xfrm>
+      </p:grpSpPr>
+      <p:sp>
+        <p:nvSpPr>
+          <p:cNvPr id="4" name="Місце для номера слайда 3">
+            <a:extLst>
+              <a:ext uri="{FF2B5EF4-FFF2-40B4-BE49-F238E27FC236}">
+                <a16:creationId xmlns:a16="http://schemas.microsoft.com/office/drawing/2014/main" id="{3DB06EB5-8FF7-4409-9231-724BF7C19B04}"/>
+              </a:ext>
+            </a:extLst>
+          </p:cNvPr>
+          <p:cNvSpPr>
+            <a:spLocks noGrp="1"/>
+          </p:cNvSpPr>
+          <p:nvPr>
+            <p:ph type="sldNum" idx="12"/>
+          </p:nvPr>
+        </p:nvSpPr>
+        <p:spPr/>
+        <p:txBody>
+          <a:bodyPr/>
+          <a:lstStyle/>
+          <a:p>
+            <a:pPr marL="0" lvl="0" indent="0" algn="ctr" rtl="0">
+              <a:spcBef>
+                <a:spcPts val="0"/>
+              </a:spcBef>
+              <a:spcAft>
+                <a:spcPts val="0"/>
+              </a:spcAft>
+              <a:buNone/>
+            </a:pPr>
+            <a:fld id="{00000000-1234-1234-1234-123412341234}" type="slidenum">
+              <a:rPr lang="ru-RU" smtClean="0"/>
+              <a:t>10</a:t>
+            </a:fld>
+            <a:endParaRPr lang="ru-RU"/>
+          </a:p>
+        </p:txBody>
+      </p:sp>
+      <p:pic>
+        <p:nvPicPr>
+          <p:cNvPr id="6" name="Рисунок 5">
+            <a:extLst>
+              <a:ext uri="{FF2B5EF4-FFF2-40B4-BE49-F238E27FC236}">
+                <a16:creationId xmlns:a16="http://schemas.microsoft.com/office/drawing/2014/main" id="{157C206D-CD44-424A-9BAB-988DC63B141A}"/>
+              </a:ext>
+            </a:extLst>
+          </p:cNvPr>
+          <p:cNvPicPr>
+            <a:picLocks noChangeAspect="1"/>
+          </p:cNvPicPr>
+          <p:nvPr/>
+        </p:nvPicPr>
+        <p:blipFill>
+          <a:blip r:embed="rId2"/>
+          <a:stretch>
+            <a:fillRect/>
+          </a:stretch>
+        </p:blipFill>
+        <p:spPr>
+          <a:xfrm>
+            <a:off x="591304" y="-12"/>
+            <a:ext cx="7961391" cy="5143500"/>
+          </a:xfrm>
+          <a:prstGeom prst="rect">
+            <a:avLst/>
+          </a:prstGeom>
+        </p:spPr>
+      </p:pic>
+    </p:spTree>
+    <p:extLst>
+      <p:ext uri="{BB962C8B-B14F-4D97-AF65-F5344CB8AC3E}">
+        <p14:creationId xmlns:p14="http://schemas.microsoft.com/office/powerpoint/2010/main" val="2299337727"/>
+      </p:ext>
+    </p:extLst>
+  </p:cSld>
+  <p:clrMapOvr>
+    <a:masterClrMapping/>
+  </p:clrMapOvr>
+</p:sld>
+</file>
+
+<file path=ppt/slides/slide11.xml><?xml version="1.0" encoding="utf-8"?>
+<p:sld xmlns:a="http://schemas.openxmlformats.org/drawingml/2006/main" xmlns:r="http://schemas.openxmlformats.org/officeDocument/2006/relationships" xmlns:p="http://schemas.openxmlformats.org/presentationml/2006/main">
+  <p:cSld>
+    <p:spTree>
+      <p:nvGrpSpPr>
+        <p:cNvPr id="1" name="Shape 140"/>
+        <p:cNvGrpSpPr/>
+        <p:nvPr/>
+      </p:nvGrpSpPr>
+      <p:grpSpPr>
+        <a:xfrm>
+          <a:off x="0" y="0"/>
+          <a:ext cx="0" cy="0"/>
+          <a:chOff x="0" y="0"/>
+          <a:chExt cx="0" cy="0"/>
+        </a:xfrm>
+      </p:grpSpPr>
+      <p:sp>
+        <p:nvSpPr>
+          <p:cNvPr id="141" name="Google Shape;141;p19"/>
+          <p:cNvSpPr txBox="1">
+            <a:spLocks noGrp="1"/>
+          </p:cNvSpPr>
+          <p:nvPr>
+            <p:ph type="title"/>
+          </p:nvPr>
+        </p:nvSpPr>
+        <p:spPr>
+          <a:xfrm>
+            <a:off x="1435608" y="205978"/>
+            <a:ext cx="7498200" cy="857400"/>
+          </a:xfrm>
+          <a:prstGeom prst="rect">
+            <a:avLst/>
+          </a:prstGeom>
+          <a:noFill/>
+          <a:ln>
+            <a:noFill/>
+          </a:ln>
+        </p:spPr>
+        <p:txBody>
+          <a:bodyPr spcFirstLastPara="1" wrap="square" lIns="91425" tIns="45700" rIns="91425" bIns="45700" anchor="ctr" anchorCtr="0">
+            <a:normAutofit/>
+          </a:bodyPr>
+          <a:lstStyle/>
+          <a:p>
+            <a:pPr marL="0" lvl="0" indent="0" algn="l" rtl="0">
+              <a:lnSpc>
+                <a:spcPct val="100000"/>
+              </a:lnSpc>
+              <a:spcBef>
+                <a:spcPts val="0"/>
+              </a:spcBef>
+              <a:spcAft>
+                <a:spcPts val="0"/>
+              </a:spcAft>
+              <a:buClr>
+                <a:srgbClr val="562214"/>
+              </a:buClr>
+              <a:buSzPts val="4300"/>
+              <a:buFont typeface="Gill Sans"/>
+              <a:buNone/>
+            </a:pPr>
+            <a:r>
+              <a:rPr lang="ru-RU" dirty="0" err="1">
+                <a:latin typeface="Times New Roman" panose="02020603050405020304" pitchFamily="18" charset="0"/>
+                <a:cs typeface="Times New Roman" panose="02020603050405020304" pitchFamily="18" charset="0"/>
+              </a:rPr>
+              <a:t>Засоби</a:t>
+            </a:r>
+            <a:r>
+              <a:rPr lang="ru-RU" dirty="0">
+                <a:latin typeface="Times New Roman" panose="02020603050405020304" pitchFamily="18" charset="0"/>
+                <a:cs typeface="Times New Roman" panose="02020603050405020304" pitchFamily="18" charset="0"/>
+              </a:rPr>
+              <a:t> </a:t>
+            </a:r>
+            <a:r>
+              <a:rPr lang="ru-RU" dirty="0" err="1">
+                <a:latin typeface="Times New Roman" panose="02020603050405020304" pitchFamily="18" charset="0"/>
+                <a:cs typeface="Times New Roman" panose="02020603050405020304" pitchFamily="18" charset="0"/>
+              </a:rPr>
+              <a:t>розробки</a:t>
+            </a:r>
+            <a:endParaRPr dirty="0">
+              <a:highlight>
+                <a:srgbClr val="FFFF00"/>
+              </a:highlight>
+              <a:latin typeface="Times New Roman" panose="02020603050405020304" pitchFamily="18" charset="0"/>
+              <a:cs typeface="Times New Roman" panose="02020603050405020304" pitchFamily="18" charset="0"/>
+            </a:endParaRPr>
+          </a:p>
+        </p:txBody>
+      </p:sp>
+      <p:sp>
+        <p:nvSpPr>
+          <p:cNvPr id="143" name="Google Shape;143;p19"/>
+          <p:cNvSpPr txBox="1">
+            <a:spLocks noGrp="1"/>
+          </p:cNvSpPr>
+          <p:nvPr>
+            <p:ph type="sldNum" idx="12"/>
+          </p:nvPr>
+        </p:nvSpPr>
+        <p:spPr>
+          <a:xfrm>
+            <a:off x="8686798" y="-12"/>
+            <a:ext cx="457200" cy="357000"/>
+          </a:xfrm>
+          <a:prstGeom prst="rect">
+            <a:avLst/>
+          </a:prstGeom>
+        </p:spPr>
+        <p:txBody>
+          <a:bodyPr spcFirstLastPara="1" wrap="square" lIns="91425" tIns="45700" rIns="91425" bIns="45700" anchor="b" anchorCtr="0">
+            <a:noAutofit/>
+          </a:bodyPr>
+          <a:lstStyle/>
+          <a:p>
+            <a:pPr marL="0" lvl="0" indent="0" algn="ctr" rtl="0">
+              <a:spcBef>
+                <a:spcPts val="0"/>
+              </a:spcBef>
+              <a:spcAft>
+                <a:spcPts val="0"/>
+              </a:spcAft>
+              <a:buClr>
+                <a:srgbClr val="000000"/>
+              </a:buClr>
+              <a:buSzPts val="1200"/>
+              <a:buFont typeface="Arial"/>
+              <a:buNone/>
+            </a:pPr>
+            <a:fld id="{00000000-1234-1234-1234-123412341234}" type="slidenum">
+              <a:rPr lang="ru-RU"/>
+              <a:t>11</a:t>
+            </a:fld>
+            <a:endParaRPr/>
+          </a:p>
+        </p:txBody>
+      </p:sp>
+      <p:pic>
+        <p:nvPicPr>
+          <p:cNvPr id="1026" name="Picture 2">
+            <a:extLst>
+              <a:ext uri="{FF2B5EF4-FFF2-40B4-BE49-F238E27FC236}">
+                <a16:creationId xmlns:a16="http://schemas.microsoft.com/office/drawing/2014/main" id="{D7A37E34-2DEE-415C-9234-4FF709D8590C}"/>
+              </a:ext>
+            </a:extLst>
+          </p:cNvPr>
+          <p:cNvPicPr>
+            <a:picLocks noChangeAspect="1" noChangeArrowheads="1"/>
+          </p:cNvPicPr>
+          <p:nvPr/>
+        </p:nvPicPr>
+        <p:blipFill>
+          <a:blip r:embed="rId3">
+            <a:extLst>
+              <a:ext uri="{28A0092B-C50C-407E-A947-70E740481C1C}">
+                <a14:useLocalDpi xmlns:a14="http://schemas.microsoft.com/office/drawing/2010/main" val="0"/>
+              </a:ext>
+            </a:extLst>
+          </a:blip>
+          <a:srcRect/>
+          <a:stretch>
+            <a:fillRect/>
+          </a:stretch>
+        </p:blipFill>
+        <p:spPr bwMode="auto">
+          <a:xfrm>
+            <a:off x="419642" y="2143050"/>
+            <a:ext cx="2357338" cy="857400"/>
+          </a:xfrm>
+          <a:prstGeom prst="rect">
+            <a:avLst/>
+          </a:prstGeom>
+          <a:noFill/>
+          <a:extLst>
+            <a:ext uri="{909E8E84-426E-40DD-AFC4-6F175D3DCCD1}">
+              <a14:hiddenFill xmlns:a14="http://schemas.microsoft.com/office/drawing/2010/main">
+                <a:solidFill>
+                  <a:srgbClr val="FFFFFF"/>
+                </a:solidFill>
+              </a14:hiddenFill>
+            </a:ext>
+          </a:extLst>
+        </p:spPr>
+      </p:pic>
+      <p:pic>
+        <p:nvPicPr>
+          <p:cNvPr id="1032" name="Picture 8" descr="Visual Studio logo and symbol, meaning, history, PNG">
+            <a:extLst>
+              <a:ext uri="{FF2B5EF4-FFF2-40B4-BE49-F238E27FC236}">
+                <a16:creationId xmlns:a16="http://schemas.microsoft.com/office/drawing/2014/main" id="{9340C89A-A17B-42A7-980A-00053591DBB7}"/>
+              </a:ext>
+            </a:extLst>
+          </p:cNvPr>
+          <p:cNvPicPr>
+            <a:picLocks noChangeAspect="1" noChangeArrowheads="1"/>
+          </p:cNvPicPr>
+          <p:nvPr/>
+        </p:nvPicPr>
+        <p:blipFill>
+          <a:blip r:embed="rId4">
+            <a:extLst>
+              <a:ext uri="{28A0092B-C50C-407E-A947-70E740481C1C}">
+                <a14:useLocalDpi xmlns:a14="http://schemas.microsoft.com/office/drawing/2010/main" val="0"/>
+              </a:ext>
+            </a:extLst>
+          </a:blip>
+          <a:srcRect/>
+          <a:stretch>
+            <a:fillRect/>
+          </a:stretch>
+        </p:blipFill>
+        <p:spPr bwMode="auto">
+          <a:xfrm>
+            <a:off x="248721" y="3232547"/>
+            <a:ext cx="2528259" cy="1422146"/>
+          </a:xfrm>
+          <a:prstGeom prst="rect">
+            <a:avLst/>
+          </a:prstGeom>
+          <a:noFill/>
+          <a:extLst>
+            <a:ext uri="{909E8E84-426E-40DD-AFC4-6F175D3DCCD1}">
+              <a14:hiddenFill xmlns:a14="http://schemas.microsoft.com/office/drawing/2010/main">
+                <a:solidFill>
+                  <a:srgbClr val="FFFFFF"/>
+                </a:solidFill>
+              </a14:hiddenFill>
+            </a:ext>
+          </a:extLst>
+        </p:spPr>
+      </p:pic>
+      <p:pic>
+        <p:nvPicPr>
+          <p:cNvPr id="1028" name="Picture 4" descr="Maya Logo PNG vector in SVG, PDF, AI, CDR format">
+            <a:extLst>
+              <a:ext uri="{FF2B5EF4-FFF2-40B4-BE49-F238E27FC236}">
+                <a16:creationId xmlns:a16="http://schemas.microsoft.com/office/drawing/2014/main" id="{296FC72A-6911-4A94-BE34-2215A77F1FBE}"/>
+              </a:ext>
+            </a:extLst>
+          </p:cNvPr>
+          <p:cNvPicPr>
+            <a:picLocks noChangeAspect="1" noChangeArrowheads="1"/>
+          </p:cNvPicPr>
+          <p:nvPr/>
+        </p:nvPicPr>
+        <p:blipFill>
+          <a:blip r:embed="rId5">
+            <a:extLst>
+              <a:ext uri="{28A0092B-C50C-407E-A947-70E740481C1C}">
+                <a14:useLocalDpi xmlns:a14="http://schemas.microsoft.com/office/drawing/2010/main" val="0"/>
+              </a:ext>
+            </a:extLst>
+          </a:blip>
+          <a:srcRect/>
+          <a:stretch>
+            <a:fillRect/>
+          </a:stretch>
+        </p:blipFill>
+        <p:spPr bwMode="auto">
+          <a:xfrm>
+            <a:off x="6188684" y="1941033"/>
+            <a:ext cx="1411575" cy="1059417"/>
+          </a:xfrm>
+          <a:prstGeom prst="rect">
+            <a:avLst/>
+          </a:prstGeom>
+          <a:noFill/>
+          <a:extLst>
+            <a:ext uri="{909E8E84-426E-40DD-AFC4-6F175D3DCCD1}">
+              <a14:hiddenFill xmlns:a14="http://schemas.microsoft.com/office/drawing/2010/main">
+                <a:solidFill>
+                  <a:srgbClr val="FFFFFF"/>
+                </a:solidFill>
+              </a14:hiddenFill>
+            </a:ext>
+          </a:extLst>
+        </p:spPr>
+      </p:pic>
+      <p:pic>
+        <p:nvPicPr>
+          <p:cNvPr id="1030" name="Picture 6" descr="Photoshop Logo, symbol, meaning, history, PNG, brand">
+            <a:extLst>
+              <a:ext uri="{FF2B5EF4-FFF2-40B4-BE49-F238E27FC236}">
+                <a16:creationId xmlns:a16="http://schemas.microsoft.com/office/drawing/2014/main" id="{A6756B2C-8804-4FAE-AC49-5E7ACB9A3A84}"/>
+              </a:ext>
+            </a:extLst>
+          </p:cNvPr>
+          <p:cNvPicPr>
+            <a:picLocks noChangeAspect="1" noChangeArrowheads="1"/>
+          </p:cNvPicPr>
+          <p:nvPr/>
+        </p:nvPicPr>
+        <p:blipFill>
+          <a:blip r:embed="rId6">
+            <a:extLst>
+              <a:ext uri="{28A0092B-C50C-407E-A947-70E740481C1C}">
+                <a14:useLocalDpi xmlns:a14="http://schemas.microsoft.com/office/drawing/2010/main" val="0"/>
+              </a:ext>
+            </a:extLst>
+          </a:blip>
+          <a:srcRect/>
+          <a:stretch>
+            <a:fillRect/>
+          </a:stretch>
+        </p:blipFill>
+        <p:spPr bwMode="auto">
+          <a:xfrm>
+            <a:off x="5962785" y="3503139"/>
+            <a:ext cx="2047208" cy="1151554"/>
+          </a:xfrm>
+          <a:prstGeom prst="rect">
+            <a:avLst/>
+          </a:prstGeom>
+          <a:noFill/>
+          <a:extLst>
+            <a:ext uri="{909E8E84-426E-40DD-AFC4-6F175D3DCCD1}">
+              <a14:hiddenFill xmlns:a14="http://schemas.microsoft.com/office/drawing/2010/main">
+                <a:solidFill>
+                  <a:srgbClr val="FFFFFF"/>
+                </a:solidFill>
+              </a14:hiddenFill>
+            </a:ext>
+          </a:extLst>
+        </p:spPr>
+      </p:pic>
+      <p:pic>
+        <p:nvPicPr>
+          <p:cNvPr id="3" name="Picture 8" descr="GitHub — A Beginner's Introduction | by Thiago Marsal Farias | Medium">
+            <a:extLst>
+              <a:ext uri="{FF2B5EF4-FFF2-40B4-BE49-F238E27FC236}">
+                <a16:creationId xmlns:a16="http://schemas.microsoft.com/office/drawing/2014/main" id="{796E2758-F7CD-41AC-B114-A80B35A6095C}"/>
+              </a:ext>
+            </a:extLst>
+          </p:cNvPr>
+          <p:cNvPicPr>
+            <a:picLocks noChangeAspect="1" noChangeArrowheads="1"/>
+          </p:cNvPicPr>
+          <p:nvPr/>
+        </p:nvPicPr>
+        <p:blipFill>
+          <a:blip r:embed="rId7">
+            <a:extLst>
+              <a:ext uri="{28A0092B-C50C-407E-A947-70E740481C1C}">
+                <a14:useLocalDpi xmlns:a14="http://schemas.microsoft.com/office/drawing/2010/main" val="0"/>
+              </a:ext>
+            </a:extLst>
+          </a:blip>
+          <a:srcRect/>
+          <a:stretch>
+            <a:fillRect/>
+          </a:stretch>
+        </p:blipFill>
+        <p:spPr bwMode="auto">
+          <a:xfrm>
+            <a:off x="2749869" y="2689549"/>
+            <a:ext cx="2929897" cy="1085995"/>
+          </a:xfrm>
+          <a:prstGeom prst="rect">
+            <a:avLst/>
+          </a:prstGeom>
+          <a:noFill/>
+          <a:extLst>
+            <a:ext uri="{909E8E84-426E-40DD-AFC4-6F175D3DCCD1}">
+              <a14:hiddenFill xmlns:a14="http://schemas.microsoft.com/office/drawing/2010/main">
+                <a:solidFill>
+                  <a:srgbClr val="FFFFFF"/>
+                </a:solidFill>
+              </a14:hiddenFill>
+            </a:ext>
+          </a:extLst>
+        </p:spPr>
+      </p:pic>
+      <p:sp>
+        <p:nvSpPr>
+          <p:cNvPr id="4" name="TextBox 3">
+            <a:extLst>
+              <a:ext uri="{FF2B5EF4-FFF2-40B4-BE49-F238E27FC236}">
+                <a16:creationId xmlns:a16="http://schemas.microsoft.com/office/drawing/2014/main" id="{852A48FC-F11E-4644-84D6-9BB150040812}"/>
+              </a:ext>
+            </a:extLst>
+          </p:cNvPr>
+          <p:cNvSpPr txBox="1"/>
+          <p:nvPr/>
+        </p:nvSpPr>
+        <p:spPr>
+          <a:xfrm>
+            <a:off x="1127669" y="1269368"/>
+            <a:ext cx="941283" cy="523220"/>
+          </a:xfrm>
+          <a:prstGeom prst="rect">
+            <a:avLst/>
+          </a:prstGeom>
+          <a:noFill/>
+        </p:spPr>
+        <p:txBody>
+          <a:bodyPr wrap="none" rtlCol="0">
+            <a:spAutoFit/>
+          </a:bodyPr>
+          <a:lstStyle/>
+          <a:p>
+            <a:r>
+              <a:rPr lang="en-US" sz="2800" dirty="0">
+                <a:latin typeface="Times New Roman" panose="02020603050405020304" pitchFamily="18" charset="0"/>
+                <a:cs typeface="Times New Roman" panose="02020603050405020304" pitchFamily="18" charset="0"/>
+              </a:rPr>
+              <a:t>Code</a:t>
+            </a:r>
+            <a:endParaRPr lang="uk-UA" sz="2800" dirty="0">
+              <a:latin typeface="Times New Roman" panose="02020603050405020304" pitchFamily="18" charset="0"/>
+              <a:cs typeface="Times New Roman" panose="02020603050405020304" pitchFamily="18" charset="0"/>
+            </a:endParaRPr>
+          </a:p>
+        </p:txBody>
+      </p:sp>
+      <p:sp>
+        <p:nvSpPr>
+          <p:cNvPr id="5" name="TextBox 4">
+            <a:extLst>
+              <a:ext uri="{FF2B5EF4-FFF2-40B4-BE49-F238E27FC236}">
+                <a16:creationId xmlns:a16="http://schemas.microsoft.com/office/drawing/2014/main" id="{6CC0E645-B947-4B45-83E1-8B2DA7826AFA}"/>
+              </a:ext>
+            </a:extLst>
+          </p:cNvPr>
+          <p:cNvSpPr txBox="1"/>
+          <p:nvPr/>
+        </p:nvSpPr>
+        <p:spPr>
+          <a:xfrm>
+            <a:off x="6060749" y="1214217"/>
+            <a:ext cx="1667444" cy="584775"/>
+          </a:xfrm>
+          <a:prstGeom prst="rect">
+            <a:avLst/>
+          </a:prstGeom>
+          <a:noFill/>
+        </p:spPr>
+        <p:txBody>
+          <a:bodyPr wrap="none" rtlCol="0">
+            <a:spAutoFit/>
+          </a:bodyPr>
+          <a:lstStyle/>
+          <a:p>
+            <a:r>
+              <a:rPr lang="en-US" sz="3200" dirty="0">
+                <a:latin typeface="Times New Roman" panose="02020603050405020304" pitchFamily="18" charset="0"/>
+                <a:cs typeface="Times New Roman" panose="02020603050405020304" pitchFamily="18" charset="0"/>
+              </a:rPr>
+              <a:t>Graphics</a:t>
+            </a:r>
+            <a:endParaRPr lang="uk-UA" sz="3200" dirty="0">
+              <a:latin typeface="Times New Roman" panose="02020603050405020304" pitchFamily="18" charset="0"/>
+              <a:cs typeface="Times New Roman" panose="02020603050405020304" pitchFamily="18" charset="0"/>
+            </a:endParaRPr>
+          </a:p>
+        </p:txBody>
+      </p:sp>
+    </p:spTree>
+  </p:cSld>
+  <p:clrMapOvr>
+    <a:masterClrMapping/>
+  </p:clrMapOvr>
+</p:sld>
+</file>
+
+<file path=ppt/slides/slide12.xml><?xml version="1.0" encoding="utf-8"?>
+<p:sld xmlns:a="http://schemas.openxmlformats.org/drawingml/2006/main" xmlns:r="http://schemas.openxmlformats.org/officeDocument/2006/relationships" xmlns:p="http://schemas.openxmlformats.org/presentationml/2006/main">
+  <p:cSld>
+    <p:spTree>
+      <p:nvGrpSpPr>
+        <p:cNvPr id="1" name=""/>
+        <p:cNvGrpSpPr/>
+        <p:nvPr/>
+      </p:nvGrpSpPr>
+      <p:grpSpPr>
+        <a:xfrm>
+          <a:off x="0" y="0"/>
+          <a:ext cx="0" cy="0"/>
+          <a:chOff x="0" y="0"/>
+          <a:chExt cx="0" cy="0"/>
+        </a:xfrm>
+      </p:grpSpPr>
+      <p:sp>
+        <p:nvSpPr>
+          <p:cNvPr id="2" name="Заголовок 1">
+            <a:extLst>
+              <a:ext uri="{FF2B5EF4-FFF2-40B4-BE49-F238E27FC236}">
+                <a16:creationId xmlns:a16="http://schemas.microsoft.com/office/drawing/2014/main" id="{29D11215-9EE6-46DC-865F-690D87B58216}"/>
+              </a:ext>
+            </a:extLst>
+          </p:cNvPr>
+          <p:cNvSpPr>
+            <a:spLocks noGrp="1"/>
+          </p:cNvSpPr>
+          <p:nvPr>
+            <p:ph type="title"/>
+          </p:nvPr>
+        </p:nvSpPr>
+        <p:spPr/>
+        <p:txBody>
+          <a:bodyPr>
+            <a:normAutofit/>
+          </a:bodyPr>
+          <a:lstStyle/>
+          <a:p>
+            <a:r>
+              <a:rPr lang="ru-RU" dirty="0"/>
+              <a:t>Вороги</a:t>
+            </a:r>
+            <a:endParaRPr lang="uk-UA" dirty="0"/>
+          </a:p>
+        </p:txBody>
+      </p:sp>
+      <p:sp>
+        <p:nvSpPr>
+          <p:cNvPr id="3" name="Місце для тексту 2">
+            <a:extLst>
+              <a:ext uri="{FF2B5EF4-FFF2-40B4-BE49-F238E27FC236}">
+                <a16:creationId xmlns:a16="http://schemas.microsoft.com/office/drawing/2014/main" id="{1943D6E1-FE2B-4149-8394-CF075C12FB93}"/>
+              </a:ext>
+            </a:extLst>
+          </p:cNvPr>
+          <p:cNvSpPr>
+            <a:spLocks noGrp="1"/>
+          </p:cNvSpPr>
+          <p:nvPr>
+            <p:ph type="body" idx="1"/>
+          </p:nvPr>
+        </p:nvSpPr>
+        <p:spPr/>
+        <p:txBody>
+          <a:bodyPr/>
+          <a:lstStyle/>
+          <a:p>
+            <a:endParaRPr lang="uk-UA" dirty="0"/>
+          </a:p>
+        </p:txBody>
+      </p:sp>
+      <p:sp>
+        <p:nvSpPr>
+          <p:cNvPr id="4" name="Місце для номера слайда 3">
+            <a:extLst>
+              <a:ext uri="{FF2B5EF4-FFF2-40B4-BE49-F238E27FC236}">
+                <a16:creationId xmlns:a16="http://schemas.microsoft.com/office/drawing/2014/main" id="{5F95664B-C5D1-4008-97D4-D095E2FF2EF0}"/>
+              </a:ext>
+            </a:extLst>
+          </p:cNvPr>
+          <p:cNvSpPr>
+            <a:spLocks noGrp="1"/>
+          </p:cNvSpPr>
+          <p:nvPr>
+            <p:ph type="sldNum" idx="12"/>
+          </p:nvPr>
+        </p:nvSpPr>
+        <p:spPr/>
+        <p:txBody>
+          <a:bodyPr/>
+          <a:lstStyle/>
+          <a:p>
+            <a:pPr marL="0" lvl="0" indent="0" algn="ctr" rtl="0">
+              <a:spcBef>
+                <a:spcPts val="0"/>
+              </a:spcBef>
+              <a:spcAft>
+                <a:spcPts val="0"/>
+              </a:spcAft>
+              <a:buNone/>
+            </a:pPr>
+            <a:fld id="{00000000-1234-1234-1234-123412341234}" type="slidenum">
+              <a:rPr lang="ru-RU" smtClean="0"/>
+              <a:t>12</a:t>
+            </a:fld>
+            <a:endParaRPr lang="ru-RU"/>
+          </a:p>
+        </p:txBody>
+      </p:sp>
+      <p:pic>
+        <p:nvPicPr>
+          <p:cNvPr id="6" name="Рисунок 5">
+            <a:extLst>
+              <a:ext uri="{FF2B5EF4-FFF2-40B4-BE49-F238E27FC236}">
+                <a16:creationId xmlns:a16="http://schemas.microsoft.com/office/drawing/2014/main" id="{111A03E1-9326-420F-8FEE-41D4236AC98D}"/>
+              </a:ext>
+            </a:extLst>
+          </p:cNvPr>
+          <p:cNvPicPr>
+            <a:picLocks noChangeAspect="1"/>
+          </p:cNvPicPr>
+          <p:nvPr/>
+        </p:nvPicPr>
+        <p:blipFill>
+          <a:blip r:embed="rId2"/>
+          <a:stretch>
+            <a:fillRect/>
+          </a:stretch>
+        </p:blipFill>
+        <p:spPr>
+          <a:xfrm>
+            <a:off x="6179863" y="205978"/>
+            <a:ext cx="2424228" cy="3159005"/>
+          </a:xfrm>
+          <a:prstGeom prst="rect">
+            <a:avLst/>
+          </a:prstGeom>
+        </p:spPr>
+      </p:pic>
+      <p:pic>
+        <p:nvPicPr>
+          <p:cNvPr id="8" name="Рисунок 7">
+            <a:extLst>
+              <a:ext uri="{FF2B5EF4-FFF2-40B4-BE49-F238E27FC236}">
+                <a16:creationId xmlns:a16="http://schemas.microsoft.com/office/drawing/2014/main" id="{9F9384C0-6D93-4C95-BC41-4C08A402FE3D}"/>
+              </a:ext>
+            </a:extLst>
+          </p:cNvPr>
+          <p:cNvPicPr>
+            <a:picLocks noChangeAspect="1"/>
+          </p:cNvPicPr>
+          <p:nvPr/>
+        </p:nvPicPr>
+        <p:blipFill>
+          <a:blip r:embed="rId3"/>
+          <a:stretch>
+            <a:fillRect/>
+          </a:stretch>
+        </p:blipFill>
+        <p:spPr>
+          <a:xfrm>
+            <a:off x="367224" y="1269368"/>
+            <a:ext cx="2258688" cy="3159005"/>
+          </a:xfrm>
+          <a:prstGeom prst="rect">
+            <a:avLst/>
+          </a:prstGeom>
+        </p:spPr>
+      </p:pic>
+      <p:pic>
+        <p:nvPicPr>
+          <p:cNvPr id="10" name="Рисунок 9">
+            <a:extLst>
+              <a:ext uri="{FF2B5EF4-FFF2-40B4-BE49-F238E27FC236}">
+                <a16:creationId xmlns:a16="http://schemas.microsoft.com/office/drawing/2014/main" id="{2240163C-9938-46BC-9235-FDF1DB847B5D}"/>
+              </a:ext>
+            </a:extLst>
+          </p:cNvPr>
+          <p:cNvPicPr>
+            <a:picLocks noChangeAspect="1"/>
+          </p:cNvPicPr>
+          <p:nvPr/>
+        </p:nvPicPr>
+        <p:blipFill>
+          <a:blip r:embed="rId4"/>
+          <a:stretch>
+            <a:fillRect/>
+          </a:stretch>
+        </p:blipFill>
+        <p:spPr>
+          <a:xfrm>
+            <a:off x="3150688" y="1269368"/>
+            <a:ext cx="2629171" cy="3048035"/>
+          </a:xfrm>
+          <a:prstGeom prst="rect">
+            <a:avLst/>
+          </a:prstGeom>
+        </p:spPr>
+      </p:pic>
+    </p:spTree>
+    <p:extLst>
+      <p:ext uri="{BB962C8B-B14F-4D97-AF65-F5344CB8AC3E}">
+        <p14:creationId xmlns:p14="http://schemas.microsoft.com/office/powerpoint/2010/main" val="2726880049"/>
+      </p:ext>
+    </p:extLst>
+  </p:cSld>
+  <p:clrMapOvr>
+    <a:masterClrMapping/>
+  </p:clrMapOvr>
+</p:sld>
+</file>
+
+<file path=ppt/slides/slide13.xml><?xml version="1.0" encoding="utf-8"?>
+<p:sld xmlns:a="http://schemas.openxmlformats.org/drawingml/2006/main" xmlns:r="http://schemas.openxmlformats.org/officeDocument/2006/relationships" xmlns:p="http://schemas.openxmlformats.org/presentationml/2006/main">
+  <p:cSld>
+    <p:spTree>
+      <p:nvGrpSpPr>
         <p:cNvPr id="1" name="Shape 147"/>
         <p:cNvGrpSpPr/>
         <p:nvPr/>
@@ -16497,7 +17346,7 @@
             </a:pPr>
             <a:fld id="{00000000-1234-1234-1234-123412341234}" type="slidenum">
               <a:rPr lang="ru-RU"/>
-              <a:t>10</a:t>
+              <a:t>13</a:t>
             </a:fld>
             <a:endParaRPr/>
           </a:p>
@@ -16511,7 +17360,7 @@
 </p:sld>
 </file>
 
-<file path=ppt/slides/slide11.xml><?xml version="1.0" encoding="utf-8"?>
+<file path=ppt/slides/slide14.xml><?xml version="1.0" encoding="utf-8"?>
 <p:sld xmlns:a="http://schemas.openxmlformats.org/drawingml/2006/main" xmlns:r="http://schemas.openxmlformats.org/officeDocument/2006/relationships" xmlns:p="http://schemas.openxmlformats.org/presentationml/2006/main">
   <p:cSld>
     <p:spTree>
@@ -16662,14 +17511,7 @@
                 <a:latin typeface="Times New Roman" panose="02020603050405020304" pitchFamily="18" charset="0"/>
                 <a:cs typeface="Times New Roman" panose="02020603050405020304" pitchFamily="18" charset="0"/>
               </a:rPr>
-              <a:t>	Розроблено програмне забезпечення, що вирішує всі поставлені функціональні задачі, такі як ігровий інтерфейс, механіки бою, функціонал магії та економіки, інтелект </a:t>
-            </a:r>
-            <a:r>
-              <a:rPr lang="uk-UA" sz="3200" dirty="0" err="1">
-                <a:latin typeface="Times New Roman" panose="02020603050405020304" pitchFamily="18" charset="0"/>
-                <a:cs typeface="Times New Roman" panose="02020603050405020304" pitchFamily="18" charset="0"/>
-              </a:rPr>
-              <a:t>врогів</a:t>
+              <a:t>	Розроблено програмне забезпечення, що вирішує всі поставлені функціональні задачі, такі як ігровий інтерфейс, механіки бою, функціонал магії та економіки, інтелект ворогів</a:t>
             </a:r>
             <a:r>
               <a:rPr lang="uk-UA" dirty="0">
@@ -16733,7 +17575,7 @@
             </a:pPr>
             <a:fld id="{00000000-1234-1234-1234-123412341234}" type="slidenum">
               <a:rPr lang="ru-RU"/>
-              <a:t>11</a:t>
+              <a:t>14</a:t>
             </a:fld>
             <a:endParaRPr/>
           </a:p>
@@ -16747,7 +17589,7 @@
 </p:sld>
 </file>
 
-<file path=ppt/slides/slide12.xml><?xml version="1.0" encoding="utf-8"?>
+<file path=ppt/slides/slide15.xml><?xml version="1.0" encoding="utf-8"?>
 <p:sld xmlns:a="http://schemas.openxmlformats.org/drawingml/2006/main" xmlns:r="http://schemas.openxmlformats.org/officeDocument/2006/relationships" xmlns:p="http://schemas.openxmlformats.org/presentationml/2006/main">
   <p:cSld>
     <p:spTree>
@@ -16879,7 +17721,7 @@
             </a:pPr>
             <a:fld id="{00000000-1234-1234-1234-123412341234}" type="slidenum">
               <a:rPr lang="ru-RU"/>
-              <a:t>12</a:t>
+              <a:t>15</a:t>
             </a:fld>
             <a:endParaRPr/>
           </a:p>
@@ -17038,63 +17880,7 @@
                 <a:latin typeface="Times New Roman" panose="02020603050405020304" pitchFamily="18" charset="0"/>
                 <a:cs typeface="Times New Roman" panose="02020603050405020304" pitchFamily="18" charset="0"/>
               </a:rPr>
-              <a:t>є актуальною та динамічною сферою, яка приваблює мільйони гравців завдяки можливості занурення у захоплюючі віртуальні світи. (</a:t>
-            </a:r>
-            <a:r>
-              <a:rPr lang="uk-UA" sz="2400" dirty="0" err="1">
-                <a:latin typeface="Times New Roman" panose="02020603050405020304" pitchFamily="18" charset="0"/>
-                <a:cs typeface="Times New Roman" panose="02020603050405020304" pitchFamily="18" charset="0"/>
-              </a:rPr>
-              <a:t>финансовые</a:t>
-            </a:r>
-            <a:r>
-              <a:rPr lang="uk-UA" sz="2400" dirty="0">
-                <a:latin typeface="Times New Roman" panose="02020603050405020304" pitchFamily="18" charset="0"/>
-                <a:cs typeface="Times New Roman" panose="02020603050405020304" pitchFamily="18" charset="0"/>
-              </a:rPr>
-              <a:t> </a:t>
-            </a:r>
-            <a:r>
-              <a:rPr lang="uk-UA" sz="2400" dirty="0" err="1">
-                <a:latin typeface="Times New Roman" panose="02020603050405020304" pitchFamily="18" charset="0"/>
-                <a:cs typeface="Times New Roman" panose="02020603050405020304" pitchFamily="18" charset="0"/>
-              </a:rPr>
-              <a:t>графики</a:t>
-            </a:r>
-            <a:r>
-              <a:rPr lang="uk-UA" sz="2400" dirty="0">
-                <a:latin typeface="Times New Roman" panose="02020603050405020304" pitchFamily="18" charset="0"/>
-                <a:cs typeface="Times New Roman" panose="02020603050405020304" pitchFamily="18" charset="0"/>
-              </a:rPr>
-              <a:t>, </a:t>
-            </a:r>
-            <a:r>
-              <a:rPr lang="uk-UA" sz="2400" dirty="0" err="1">
-                <a:latin typeface="Times New Roman" panose="02020603050405020304" pitchFamily="18" charset="0"/>
-                <a:cs typeface="Times New Roman" panose="02020603050405020304" pitchFamily="18" charset="0"/>
-              </a:rPr>
-              <a:t>количество</a:t>
-            </a:r>
-            <a:r>
-              <a:rPr lang="uk-UA" sz="2400" dirty="0">
-                <a:latin typeface="Times New Roman" panose="02020603050405020304" pitchFamily="18" charset="0"/>
-                <a:cs typeface="Times New Roman" panose="02020603050405020304" pitchFamily="18" charset="0"/>
-              </a:rPr>
-              <a:t> </a:t>
-            </a:r>
-            <a:r>
-              <a:rPr lang="uk-UA" sz="2400" dirty="0" err="1">
-                <a:latin typeface="Times New Roman" panose="02020603050405020304" pitchFamily="18" charset="0"/>
-                <a:cs typeface="Times New Roman" panose="02020603050405020304" pitchFamily="18" charset="0"/>
-              </a:rPr>
-              <a:t>игр</a:t>
-            </a:r>
-            <a:r>
-              <a:rPr lang="en-US" sz="2400" dirty="0">
-                <a:latin typeface="Times New Roman" panose="02020603050405020304" pitchFamily="18" charset="0"/>
-                <a:cs typeface="Times New Roman" panose="02020603050405020304" pitchFamily="18" charset="0"/>
-              </a:rPr>
-              <a:t>)</a:t>
+              <a:t>є актуальною та динамічною сферою, яка приваблює мільйони гравців завдяки можливості занурення у захоплюючі віртуальні світи.</a:t>
             </a:r>
             <a:endParaRPr sz="2400" dirty="0">
               <a:latin typeface="Times New Roman" panose="02020603050405020304" pitchFamily="18" charset="0"/>
@@ -17147,6 +17933,162 @@
               <a:t>2</a:t>
             </a:fld>
             <a:endParaRPr sz="1400"/>
+          </a:p>
+        </p:txBody>
+      </p:sp>
+      <p:pic>
+        <p:nvPicPr>
+          <p:cNvPr id="3" name="Рисунок 2">
+            <a:extLst>
+              <a:ext uri="{FF2B5EF4-FFF2-40B4-BE49-F238E27FC236}">
+                <a16:creationId xmlns:a16="http://schemas.microsoft.com/office/drawing/2014/main" id="{76529C2E-36A3-4F88-86C5-7207BE598A07}"/>
+              </a:ext>
+            </a:extLst>
+          </p:cNvPr>
+          <p:cNvPicPr>
+            <a:picLocks noChangeAspect="1"/>
+          </p:cNvPicPr>
+          <p:nvPr/>
+        </p:nvPicPr>
+        <p:blipFill>
+          <a:blip r:embed="rId3"/>
+          <a:stretch>
+            <a:fillRect/>
+          </a:stretch>
+        </p:blipFill>
+        <p:spPr>
+          <a:xfrm>
+            <a:off x="294012" y="2695447"/>
+            <a:ext cx="4077269" cy="1991003"/>
+          </a:xfrm>
+          <a:prstGeom prst="rect">
+            <a:avLst/>
+          </a:prstGeom>
+        </p:spPr>
+      </p:pic>
+      <p:pic>
+        <p:nvPicPr>
+          <p:cNvPr id="5" name="Рисунок 4">
+            <a:extLst>
+              <a:ext uri="{FF2B5EF4-FFF2-40B4-BE49-F238E27FC236}">
+                <a16:creationId xmlns:a16="http://schemas.microsoft.com/office/drawing/2014/main" id="{2586693F-F47F-4C5F-89F5-F32FBC9742FA}"/>
+              </a:ext>
+            </a:extLst>
+          </p:cNvPr>
+          <p:cNvPicPr>
+            <a:picLocks noChangeAspect="1"/>
+          </p:cNvPicPr>
+          <p:nvPr/>
+        </p:nvPicPr>
+        <p:blipFill>
+          <a:blip r:embed="rId4"/>
+          <a:stretch>
+            <a:fillRect/>
+          </a:stretch>
+        </p:blipFill>
+        <p:spPr>
+          <a:xfrm>
+            <a:off x="4804933" y="2355617"/>
+            <a:ext cx="3695223" cy="2330833"/>
+          </a:xfrm>
+          <a:prstGeom prst="rect">
+            <a:avLst/>
+          </a:prstGeom>
+        </p:spPr>
+      </p:pic>
+      <p:sp>
+        <p:nvSpPr>
+          <p:cNvPr id="6" name="TextBox 5">
+            <a:extLst>
+              <a:ext uri="{FF2B5EF4-FFF2-40B4-BE49-F238E27FC236}">
+                <a16:creationId xmlns:a16="http://schemas.microsoft.com/office/drawing/2014/main" id="{75154EDE-E6F6-4FD3-997A-E29D1E972D56}"/>
+              </a:ext>
+            </a:extLst>
+          </p:cNvPr>
+          <p:cNvSpPr txBox="1"/>
+          <p:nvPr/>
+        </p:nvSpPr>
+        <p:spPr>
+          <a:xfrm>
+            <a:off x="1150620" y="4708922"/>
+            <a:ext cx="2694969" cy="307777"/>
+          </a:xfrm>
+          <a:prstGeom prst="rect">
+            <a:avLst/>
+          </a:prstGeom>
+          <a:noFill/>
+        </p:spPr>
+        <p:txBody>
+          <a:bodyPr wrap="none" rtlCol="0">
+            <a:spAutoFit/>
+          </a:bodyPr>
+          <a:lstStyle/>
+          <a:p>
+            <a:r>
+              <a:rPr lang="ru-RU" dirty="0" err="1"/>
+              <a:t>Фінансовий</a:t>
+            </a:r>
+            <a:r>
+              <a:rPr lang="ru-RU" dirty="0"/>
+              <a:t> </a:t>
+            </a:r>
+            <a:r>
+              <a:rPr lang="ru-RU" dirty="0" err="1"/>
+              <a:t>прибуток</a:t>
+            </a:r>
+            <a:r>
+              <a:rPr lang="ru-RU" dirty="0"/>
+              <a:t> (млрд </a:t>
+            </a:r>
+            <a:r>
+              <a:rPr lang="en-US" dirty="0"/>
+              <a:t>$)</a:t>
+            </a:r>
+            <a:endParaRPr lang="uk-UA" dirty="0"/>
+          </a:p>
+        </p:txBody>
+      </p:sp>
+      <p:sp>
+        <p:nvSpPr>
+          <p:cNvPr id="12" name="TextBox 11">
+            <a:extLst>
+              <a:ext uri="{FF2B5EF4-FFF2-40B4-BE49-F238E27FC236}">
+                <a16:creationId xmlns:a16="http://schemas.microsoft.com/office/drawing/2014/main" id="{1C59A714-0C2F-4B69-BFF3-3A8D88B37D91}"/>
+              </a:ext>
+            </a:extLst>
+          </p:cNvPr>
+          <p:cNvSpPr txBox="1"/>
+          <p:nvPr/>
+        </p:nvSpPr>
+        <p:spPr>
+          <a:xfrm>
+            <a:off x="5944421" y="4629745"/>
+            <a:ext cx="2048959" cy="307777"/>
+          </a:xfrm>
+          <a:prstGeom prst="rect">
+            <a:avLst/>
+          </a:prstGeom>
+          <a:noFill/>
+        </p:spPr>
+        <p:txBody>
+          <a:bodyPr wrap="none" rtlCol="0">
+            <a:spAutoFit/>
+          </a:bodyPr>
+          <a:lstStyle/>
+          <a:p>
+            <a:r>
+              <a:rPr lang="ru-RU" dirty="0" err="1"/>
+              <a:t>Випущен</a:t>
+            </a:r>
+            <a:r>
+              <a:rPr lang="uk-UA" dirty="0"/>
+              <a:t>і ігри в </a:t>
+            </a:r>
+            <a:r>
+              <a:rPr lang="en-US" dirty="0"/>
+              <a:t>Steam</a:t>
+            </a:r>
+            <a:endParaRPr lang="uk-UA" dirty="0"/>
           </a:p>
         </p:txBody>
       </p:sp>
@@ -17226,27 +18168,7 @@
                 <a:latin typeface="Times New Roman" panose="02020603050405020304" pitchFamily="18" charset="0"/>
                 <a:cs typeface="Times New Roman" panose="02020603050405020304" pitchFamily="18" charset="0"/>
               </a:rPr>
-              <a:t>Мета </a:t>
-            </a:r>
-            <a:r>
-              <a:rPr lang="ru-RU" dirty="0">
-                <a:highlight>
-                  <a:srgbClr val="FFFF00"/>
-                </a:highlight>
-                <a:latin typeface="Times New Roman" panose="02020603050405020304" pitchFamily="18" charset="0"/>
-                <a:cs typeface="Times New Roman" panose="02020603050405020304" pitchFamily="18" charset="0"/>
-              </a:rPr>
-              <a:t>та </a:t>
-            </a:r>
-            <a:r>
-              <a:rPr lang="ru-RU" dirty="0" err="1">
-                <a:highlight>
-                  <a:srgbClr val="FFFF00"/>
-                </a:highlight>
-                <a:latin typeface="Times New Roman" panose="02020603050405020304" pitchFamily="18" charset="0"/>
-                <a:cs typeface="Times New Roman" panose="02020603050405020304" pitchFamily="18" charset="0"/>
-              </a:rPr>
-              <a:t>призначення</a:t>
+              <a:t>Мета</a:t>
             </a:r>
             <a:endParaRPr dirty="0">
               <a:highlight>
@@ -17610,58 +18532,12 @@
               <a:buChar char="–"/>
             </a:pPr>
             <a:r>
-              <a:rPr lang="en-US" sz="3100" dirty="0">
+              <a:rPr lang="uk-UA" sz="3100" dirty="0">
                 <a:effectLst/>
-                <a:highlight>
-                  <a:srgbClr val="FFFF00"/>
-                </a:highlight>
                 <a:latin typeface="Times New Roman" panose="02020603050405020304" pitchFamily="18" charset="0"/>
                 <a:ea typeface="Times New Roman" panose="02020603050405020304" pitchFamily="18" charset="0"/>
               </a:rPr>
-              <a:t>(C</a:t>
-            </a:r>
-            <a:r>
-              <a:rPr lang="ru-RU" sz="3100" dirty="0" err="1">
-                <a:effectLst/>
-                <a:highlight>
-                  <a:srgbClr val="FFFF00"/>
-                </a:highlight>
-                <a:latin typeface="Times New Roman" panose="02020603050405020304" pitchFamily="18" charset="0"/>
-                <a:ea typeface="Times New Roman" panose="02020603050405020304" pitchFamily="18" charset="0"/>
-              </a:rPr>
-              <a:t>истема</a:t>
-            </a:r>
-            <a:r>
-              <a:rPr lang="ru-RU" sz="3100" dirty="0">
-                <a:effectLst/>
-                <a:highlight>
-                  <a:srgbClr val="FFFF00"/>
-                </a:highlight>
-                <a:latin typeface="Times New Roman" panose="02020603050405020304" pitchFamily="18" charset="0"/>
-                <a:ea typeface="Times New Roman" panose="02020603050405020304" pitchFamily="18" charset="0"/>
-              </a:rPr>
-              <a:t> </a:t>
-            </a:r>
-            <a:r>
-              <a:rPr lang="uk-UA" sz="3100" dirty="0">
-                <a:highlight>
-                  <a:srgbClr val="FFFF00"/>
-                </a:highlight>
-                <a:latin typeface="Times New Roman" panose="02020603050405020304" pitchFamily="18" charset="0"/>
-                <a:ea typeface="Times New Roman" panose="02020603050405020304" pitchFamily="18" charset="0"/>
-              </a:rPr>
-              <a:t>розвитку</a:t>
-            </a:r>
-            <a:r>
-              <a:rPr lang="uk-UA" sz="3100" dirty="0">
-                <a:effectLst/>
-                <a:highlight>
-                  <a:srgbClr val="FFFF00"/>
-                </a:highlight>
-                <a:latin typeface="Times New Roman" panose="02020603050405020304" pitchFamily="18" charset="0"/>
-                <a:ea typeface="Times New Roman" panose="02020603050405020304" pitchFamily="18" charset="0"/>
-              </a:rPr>
-              <a:t>)</a:t>
+              <a:t>Розробка системи класів і їх унікальних характеристик.</a:t>
             </a:r>
           </a:p>
           <a:p>
@@ -17770,14 +18646,19 @@
             <p:ph type="title"/>
           </p:nvPr>
         </p:nvSpPr>
-        <p:spPr/>
+        <p:spPr>
+          <a:xfrm>
+            <a:off x="1435608" y="114857"/>
+            <a:ext cx="7498200" cy="857400"/>
+          </a:xfrm>
+        </p:spPr>
         <p:txBody>
           <a:bodyPr/>
           <a:lstStyle/>
           <a:p>
             <a:r>
               <a:rPr lang="uk-UA" dirty="0"/>
-              <a:t>Загальні класи ігор</a:t>
+              <a:t>Класифікація ігор</a:t>
             </a:r>
           </a:p>
         </p:txBody>
@@ -17803,32 +18684,6 @@
           <a:bodyPr/>
           <a:lstStyle/>
           <a:p>
-            <a:r>
-              <a:rPr lang="uk-UA" dirty="0"/>
-              <a:t>Фінансова</a:t>
-            </a:r>
-          </a:p>
-          <a:p>
-            <a:r>
-              <a:rPr lang="uk-UA" dirty="0" err="1"/>
-              <a:t>Показать</a:t>
-            </a:r>
-            <a:r>
-              <a:rPr lang="uk-UA" dirty="0"/>
-              <a:t> </a:t>
-            </a:r>
-            <a:r>
-              <a:rPr lang="uk-UA" dirty="0" err="1"/>
-              <a:t>механику</a:t>
-            </a:r>
-            <a:r>
-              <a:rPr lang="uk-UA" dirty="0"/>
-              <a:t> и </a:t>
-            </a:r>
-            <a:r>
-              <a:rPr lang="uk-UA" dirty="0" err="1"/>
-              <a:t>улучшение</a:t>
-            </a:r>
             <a:endParaRPr lang="uk-UA" dirty="0"/>
           </a:p>
         </p:txBody>
@@ -17871,6 +18726,527 @@
           </a:p>
         </p:txBody>
       </p:sp>
+      <p:graphicFrame>
+        <p:nvGraphicFramePr>
+          <p:cNvPr id="5" name="Таблиця 5">
+            <a:extLst>
+              <a:ext uri="{FF2B5EF4-FFF2-40B4-BE49-F238E27FC236}">
+                <a16:creationId xmlns:a16="http://schemas.microsoft.com/office/drawing/2014/main" id="{450AE4A1-F59C-4121-B21E-D415B3BE30F1}"/>
+              </a:ext>
+            </a:extLst>
+          </p:cNvPr>
+          <p:cNvGraphicFramePr>
+            <a:graphicFrameLocks noGrp="1"/>
+          </p:cNvGraphicFramePr>
+          <p:nvPr>
+            <p:extLst>
+              <p:ext uri="{D42A27DB-BD31-4B8C-83A1-F6EECF244321}">
+                <p14:modId xmlns:p14="http://schemas.microsoft.com/office/powerpoint/2010/main" val="1724597583"/>
+              </p:ext>
+            </p:extLst>
+          </p:nvPr>
+        </p:nvGraphicFramePr>
+        <p:xfrm>
+          <a:off x="803275" y="863601"/>
+          <a:ext cx="7927976" cy="4177780"/>
+        </p:xfrm>
+        <a:graphic>
+          <a:graphicData uri="http://schemas.openxmlformats.org/drawingml/2006/table">
+            <a:tbl>
+              <a:tblPr firstRow="1" bandRow="1">
+                <a:tableStyleId>{5C22544A-7EE6-4342-B048-85BDC9FD1C3A}</a:tableStyleId>
+              </a:tblPr>
+              <a:tblGrid>
+                <a:gridCol w="3963988">
+                  <a:extLst>
+                    <a:ext uri="{9D8B030D-6E8A-4147-A177-3AD203B41FA5}">
+                      <a16:colId xmlns:a16="http://schemas.microsoft.com/office/drawing/2014/main" val="211036497"/>
+                    </a:ext>
+                  </a:extLst>
+                </a:gridCol>
+                <a:gridCol w="3963988">
+                  <a:extLst>
+                    <a:ext uri="{9D8B030D-6E8A-4147-A177-3AD203B41FA5}">
+                      <a16:colId xmlns:a16="http://schemas.microsoft.com/office/drawing/2014/main" val="4050926663"/>
+                    </a:ext>
+                  </a:extLst>
+                </a:gridCol>
+              </a:tblGrid>
+              <a:tr h="357428">
+                <a:tc>
+                  <a:txBody>
+                    <a:bodyPr/>
+                    <a:lstStyle/>
+                    <a:p>
+                      <a:pPr algn="l" fontAlgn="base"/>
+                      <a:r>
+                        <a:rPr lang="uk-UA" dirty="0">
+                          <a:effectLst/>
+                        </a:rPr>
+                        <a:t>Жанр Ігор</a:t>
+                      </a:r>
+                    </a:p>
+                  </a:txBody>
+                  <a:tcPr marL="38100" marR="38100" marT="76200" marB="76200" anchor="ctr"/>
+                </a:tc>
+                <a:tc>
+                  <a:txBody>
+                    <a:bodyPr/>
+                    <a:lstStyle/>
+                    <a:p>
+                      <a:pPr algn="l" fontAlgn="base"/>
+                      <a:r>
+                        <a:rPr lang="uk-UA" dirty="0">
+                          <a:effectLst/>
+                        </a:rPr>
+                        <a:t>Особливості</a:t>
+                      </a:r>
+                    </a:p>
+                  </a:txBody>
+                  <a:tcPr marL="38100" marR="38100" marT="76200" marB="76200" anchor="ctr"/>
+                </a:tc>
+                <a:extLst>
+                  <a:ext uri="{0D108BD9-81ED-4DB2-BD59-A6C34878D82A}">
+                    <a16:rowId xmlns:a16="http://schemas.microsoft.com/office/drawing/2014/main" val="243881630"/>
+                  </a:ext>
+                </a:extLst>
+              </a:tr>
+              <a:tr h="774428">
+                <a:tc>
+                  <a:txBody>
+                    <a:bodyPr/>
+                    <a:lstStyle/>
+                    <a:p>
+                      <a:pPr algn="l" fontAlgn="base"/>
+                      <a:r>
+                        <a:rPr lang="uk-UA" b="1">
+                          <a:effectLst/>
+                        </a:rPr>
+                        <a:t>Екшн</a:t>
+                      </a:r>
+                      <a:endParaRPr lang="uk-UA">
+                        <a:effectLst/>
+                      </a:endParaRPr>
+                    </a:p>
+                  </a:txBody>
+                  <a:tcPr marL="38100" marR="38100" marT="76200" marB="76200" anchor="ctr"/>
+                </a:tc>
+                <a:tc>
+                  <a:txBody>
+                    <a:bodyPr/>
+                    <a:lstStyle/>
+                    <a:p>
+                      <a:pPr algn="l" fontAlgn="base"/>
+                      <a:r>
+                        <a:rPr lang="ru-RU" dirty="0">
+                          <a:effectLst/>
+                        </a:rPr>
+                        <a:t>- </a:t>
+                      </a:r>
+                      <a:r>
+                        <a:rPr lang="uk-UA" noProof="0" dirty="0">
+                          <a:effectLst/>
+                        </a:rPr>
+                        <a:t>Швидкий</a:t>
+                      </a:r>
+                      <a:r>
+                        <a:rPr lang="ru-RU" dirty="0">
+                          <a:effectLst/>
+                        </a:rPr>
+                        <a:t> геймплей з акцентом на </a:t>
+                      </a:r>
+                      <a:r>
+                        <a:rPr lang="uk-UA" noProof="0" dirty="0">
+                          <a:effectLst/>
+                        </a:rPr>
+                        <a:t>рефлекси</a:t>
+                      </a:r>
+                      <a:r>
+                        <a:rPr lang="ru-RU" dirty="0">
+                          <a:effectLst/>
+                        </a:rPr>
+                        <a:t> та </a:t>
+                      </a:r>
+                      <a:r>
+                        <a:rPr lang="uk-UA" noProof="0" dirty="0">
+                          <a:effectLst/>
+                        </a:rPr>
+                        <a:t>координацію</a:t>
+                      </a:r>
+                      <a:r>
+                        <a:rPr lang="ru-RU" dirty="0">
+                          <a:effectLst/>
+                        </a:rPr>
+                        <a:t>. Часто </a:t>
+                      </a:r>
+                      <a:r>
+                        <a:rPr lang="uk-UA" noProof="0" dirty="0">
+                          <a:effectLst/>
+                        </a:rPr>
+                        <a:t>включає</a:t>
+                      </a:r>
+                      <a:r>
+                        <a:rPr lang="ru-RU" dirty="0">
+                          <a:effectLst/>
+                        </a:rPr>
+                        <a:t> </a:t>
+                      </a:r>
+                      <a:r>
+                        <a:rPr lang="uk-UA" noProof="0" dirty="0">
+                          <a:effectLst/>
+                        </a:rPr>
+                        <a:t>бій</a:t>
+                      </a:r>
+                      <a:r>
+                        <a:rPr lang="ru-RU" dirty="0">
+                          <a:effectLst/>
+                        </a:rPr>
+                        <a:t> та </a:t>
+                      </a:r>
+                      <a:r>
+                        <a:rPr lang="uk-UA" noProof="0" dirty="0">
+                          <a:effectLst/>
+                        </a:rPr>
+                        <a:t>прокладання</a:t>
+                      </a:r>
+                      <a:r>
+                        <a:rPr lang="ru-RU" dirty="0">
+                          <a:effectLst/>
+                        </a:rPr>
+                        <a:t> шляху через </a:t>
+                      </a:r>
+                      <a:r>
+                        <a:rPr lang="uk-UA" noProof="0" dirty="0">
+                          <a:effectLst/>
+                        </a:rPr>
+                        <a:t>ворогів</a:t>
+                      </a:r>
+                      <a:r>
+                        <a:rPr lang="ru-RU" dirty="0">
+                          <a:effectLst/>
+                        </a:rPr>
+                        <a:t>.</a:t>
+                      </a:r>
+                    </a:p>
+                  </a:txBody>
+                  <a:tcPr marL="38100" marR="38100" marT="76200" marB="76200" anchor="ctr"/>
+                </a:tc>
+                <a:extLst>
+                  <a:ext uri="{0D108BD9-81ED-4DB2-BD59-A6C34878D82A}">
+                    <a16:rowId xmlns:a16="http://schemas.microsoft.com/office/drawing/2014/main" val="1920126463"/>
+                  </a:ext>
+                </a:extLst>
+              </a:tr>
+              <a:tr h="774428">
+                <a:tc>
+                  <a:txBody>
+                    <a:bodyPr/>
+                    <a:lstStyle/>
+                    <a:p>
+                      <a:pPr algn="l" fontAlgn="base"/>
+                      <a:r>
+                        <a:rPr lang="uk-UA" b="1">
+                          <a:effectLst/>
+                        </a:rPr>
+                        <a:t>Пригодницькі</a:t>
+                      </a:r>
+                      <a:endParaRPr lang="uk-UA">
+                        <a:effectLst/>
+                      </a:endParaRPr>
+                    </a:p>
+                  </a:txBody>
+                  <a:tcPr marL="38100" marR="38100" marT="76200" marB="76200" anchor="ctr"/>
+                </a:tc>
+                <a:tc>
+                  <a:txBody>
+                    <a:bodyPr/>
+                    <a:lstStyle/>
+                    <a:p>
+                      <a:pPr algn="l" fontAlgn="base"/>
+                      <a:r>
+                        <a:rPr lang="ru-RU" dirty="0">
+                          <a:effectLst/>
+                        </a:rPr>
+                        <a:t>- </a:t>
+                      </a:r>
+                      <a:r>
+                        <a:rPr lang="uk-UA" noProof="0" dirty="0">
+                          <a:effectLst/>
+                        </a:rPr>
+                        <a:t>Сюжетно-орієнтований</a:t>
+                      </a:r>
+                      <a:r>
+                        <a:rPr lang="ru-RU" dirty="0">
+                          <a:effectLst/>
+                        </a:rPr>
+                        <a:t> геймплей. Головоломки та </a:t>
+                      </a:r>
+                      <a:r>
+                        <a:rPr lang="uk-UA" noProof="0" dirty="0">
+                          <a:effectLst/>
+                        </a:rPr>
+                        <a:t>взаємодія</a:t>
+                      </a:r>
+                      <a:r>
+                        <a:rPr lang="ru-RU" dirty="0">
+                          <a:effectLst/>
+                        </a:rPr>
+                        <a:t> з </a:t>
+                      </a:r>
+                      <a:r>
+                        <a:rPr lang="uk-UA" noProof="0" dirty="0">
+                          <a:effectLst/>
+                        </a:rPr>
+                        <a:t>оточенням</a:t>
+                      </a:r>
+                      <a:r>
+                        <a:rPr lang="ru-RU" dirty="0">
+                          <a:effectLst/>
+                        </a:rPr>
+                        <a:t> для </a:t>
+                      </a:r>
+                      <a:r>
+                        <a:rPr lang="uk-UA" noProof="0" dirty="0">
+                          <a:effectLst/>
+                        </a:rPr>
+                        <a:t>просування</a:t>
+                      </a:r>
+                      <a:r>
+                        <a:rPr lang="ru-RU" dirty="0">
+                          <a:effectLst/>
+                        </a:rPr>
+                        <a:t> по </a:t>
+                      </a:r>
+                      <a:r>
+                        <a:rPr lang="uk-UA" noProof="0" dirty="0">
+                          <a:effectLst/>
+                        </a:rPr>
+                        <a:t>грі</a:t>
+                      </a:r>
+                      <a:r>
+                        <a:rPr lang="ru-RU" dirty="0">
+                          <a:effectLst/>
+                        </a:rPr>
+                        <a:t>.</a:t>
+                      </a:r>
+                    </a:p>
+                  </a:txBody>
+                  <a:tcPr marL="38100" marR="38100" marT="76200" marB="76200" anchor="ctr"/>
+                </a:tc>
+                <a:extLst>
+                  <a:ext uri="{0D108BD9-81ED-4DB2-BD59-A6C34878D82A}">
+                    <a16:rowId xmlns:a16="http://schemas.microsoft.com/office/drawing/2014/main" val="1931910511"/>
+                  </a:ext>
+                </a:extLst>
+              </a:tr>
+              <a:tr h="565928">
+                <a:tc>
+                  <a:txBody>
+                    <a:bodyPr/>
+                    <a:lstStyle/>
+                    <a:p>
+                      <a:pPr algn="l" fontAlgn="base"/>
+                      <a:r>
+                        <a:rPr lang="uk-UA" b="1" dirty="0">
+                          <a:effectLst/>
+                        </a:rPr>
+                        <a:t>Рольові (</a:t>
+                      </a:r>
+                      <a:r>
+                        <a:rPr lang="en-US" b="1" dirty="0">
+                          <a:effectLst/>
+                        </a:rPr>
+                        <a:t>RPG)</a:t>
+                      </a:r>
+                      <a:endParaRPr lang="en-US" dirty="0">
+                        <a:effectLst/>
+                      </a:endParaRPr>
+                    </a:p>
+                  </a:txBody>
+                  <a:tcPr marL="38100" marR="38100" marT="76200" marB="76200" anchor="ctr"/>
+                </a:tc>
+                <a:tc>
+                  <a:txBody>
+                    <a:bodyPr/>
+                    <a:lstStyle/>
+                    <a:p>
+                      <a:pPr algn="l" fontAlgn="base"/>
+                      <a:r>
+                        <a:rPr lang="ru-RU" dirty="0">
+                          <a:effectLst/>
+                        </a:rPr>
+                        <a:t>- </a:t>
+                      </a:r>
+                      <a:r>
+                        <a:rPr lang="uk-UA" noProof="0" dirty="0">
+                          <a:effectLst/>
+                        </a:rPr>
+                        <a:t>Класи</a:t>
+                      </a:r>
+                      <a:r>
+                        <a:rPr lang="ru-RU" dirty="0">
+                          <a:effectLst/>
+                        </a:rPr>
+                        <a:t> </a:t>
+                      </a:r>
+                      <a:r>
+                        <a:rPr lang="uk-UA" noProof="0" dirty="0">
+                          <a:effectLst/>
+                        </a:rPr>
+                        <a:t>персонажів</a:t>
+                      </a:r>
+                      <a:r>
+                        <a:rPr lang="ru-RU" dirty="0">
+                          <a:effectLst/>
+                        </a:rPr>
+                        <a:t> та прокачка характеристик. </a:t>
+                      </a:r>
+                      <a:r>
+                        <a:rPr lang="uk-UA" noProof="0" dirty="0">
+                          <a:effectLst/>
+                        </a:rPr>
+                        <a:t>Занурення</a:t>
+                      </a:r>
+                      <a:r>
+                        <a:rPr lang="ru-RU" dirty="0">
+                          <a:effectLst/>
+                        </a:rPr>
+                        <a:t> у великий та </a:t>
+                      </a:r>
+                      <a:r>
+                        <a:rPr lang="uk-UA" noProof="0" dirty="0">
+                          <a:effectLst/>
+                        </a:rPr>
+                        <a:t>деталізований</a:t>
+                      </a:r>
+                      <a:r>
+                        <a:rPr lang="ru-RU" dirty="0">
+                          <a:effectLst/>
+                        </a:rPr>
+                        <a:t> </a:t>
+                      </a:r>
+                      <a:r>
+                        <a:rPr lang="uk-UA" noProof="0" dirty="0">
+                          <a:effectLst/>
+                        </a:rPr>
+                        <a:t>світ</a:t>
+                      </a:r>
+                      <a:r>
+                        <a:rPr lang="ru-RU" dirty="0">
+                          <a:effectLst/>
+                        </a:rPr>
+                        <a:t>.</a:t>
+                      </a:r>
+                    </a:p>
+                  </a:txBody>
+                  <a:tcPr marL="38100" marR="38100" marT="76200" marB="76200" anchor="ctr"/>
+                </a:tc>
+                <a:extLst>
+                  <a:ext uri="{0D108BD9-81ED-4DB2-BD59-A6C34878D82A}">
+                    <a16:rowId xmlns:a16="http://schemas.microsoft.com/office/drawing/2014/main" val="2049719933"/>
+                  </a:ext>
+                </a:extLst>
+              </a:tr>
+              <a:tr h="855460">
+                <a:tc>
+                  <a:txBody>
+                    <a:bodyPr/>
+                    <a:lstStyle/>
+                    <a:p>
+                      <a:pPr algn="l" fontAlgn="base"/>
+                      <a:r>
+                        <a:rPr lang="uk-UA" b="1" dirty="0">
+                          <a:effectLst/>
+                        </a:rPr>
+                        <a:t>Стратегії</a:t>
+                      </a:r>
+                      <a:endParaRPr lang="uk-UA" dirty="0">
+                        <a:effectLst/>
+                      </a:endParaRPr>
+                    </a:p>
+                  </a:txBody>
+                  <a:tcPr marL="38100" marR="38100" marT="76200" marB="76200" anchor="ctr"/>
+                </a:tc>
+                <a:tc>
+                  <a:txBody>
+                    <a:bodyPr/>
+                    <a:lstStyle/>
+                    <a:p>
+                      <a:pPr algn="l" fontAlgn="base"/>
+                      <a:r>
+                        <a:rPr lang="uk-UA" dirty="0">
+                          <a:effectLst/>
+                        </a:rPr>
+                        <a:t>- Управління ресурсами та планування для досягнення стратегічних цілей.</a:t>
+                      </a:r>
+                      <a:r>
+                        <a:rPr lang="en-US" dirty="0">
+                          <a:effectLst/>
+                        </a:rPr>
+                        <a:t> </a:t>
+                      </a:r>
+                      <a:r>
+                        <a:rPr lang="uk-UA" dirty="0">
+                          <a:effectLst/>
+                        </a:rPr>
+                        <a:t>Часто включає будівництво бази та керування армією.</a:t>
+                      </a:r>
+                    </a:p>
+                  </a:txBody>
+                  <a:tcPr marL="38100" marR="38100" marT="76200" marB="76200" anchor="ctr"/>
+                </a:tc>
+                <a:extLst>
+                  <a:ext uri="{0D108BD9-81ED-4DB2-BD59-A6C34878D82A}">
+                    <a16:rowId xmlns:a16="http://schemas.microsoft.com/office/drawing/2014/main" val="1074443427"/>
+                  </a:ext>
+                </a:extLst>
+              </a:tr>
+              <a:tr h="774428">
+                <a:tc>
+                  <a:txBody>
+                    <a:bodyPr/>
+                    <a:lstStyle/>
+                    <a:p>
+                      <a:pPr algn="l" fontAlgn="base"/>
+                      <a:r>
+                        <a:rPr lang="uk-UA" b="1">
+                          <a:effectLst/>
+                        </a:rPr>
+                        <a:t>Симулятори</a:t>
+                      </a:r>
+                      <a:endParaRPr lang="uk-UA">
+                        <a:effectLst/>
+                      </a:endParaRPr>
+                    </a:p>
+                  </a:txBody>
+                  <a:tcPr marL="38100" marR="38100" marT="76200" marB="76200" anchor="ctr"/>
+                </a:tc>
+                <a:tc>
+                  <a:txBody>
+                    <a:bodyPr/>
+                    <a:lstStyle/>
+                    <a:p>
+                      <a:pPr algn="l" fontAlgn="base"/>
+                      <a:r>
+                        <a:rPr lang="uk-UA" dirty="0">
+                          <a:effectLst/>
+                        </a:rPr>
+                        <a:t>- Імітація реальних процесів або діяльності. Надає гравцям можливість керувати специфічними сценаріями або професіями.</a:t>
+                      </a:r>
+                    </a:p>
+                  </a:txBody>
+                  <a:tcPr marL="38100" marR="38100" marT="76200" marB="76200" anchor="ctr"/>
+                </a:tc>
+                <a:extLst>
+                  <a:ext uri="{0D108BD9-81ED-4DB2-BD59-A6C34878D82A}">
+                    <a16:rowId xmlns:a16="http://schemas.microsoft.com/office/drawing/2014/main" val="3924398040"/>
+                  </a:ext>
+                </a:extLst>
+              </a:tr>
+            </a:tbl>
+          </a:graphicData>
+        </a:graphic>
+      </p:graphicFrame>
     </p:spTree>
     <p:extLst>
       <p:ext uri="{BB962C8B-B14F-4D97-AF65-F5344CB8AC3E}">
@@ -17977,104 +19353,6 @@
       </p:sp>
       <p:sp>
         <p:nvSpPr>
-          <p:cNvPr id="128" name="Google Shape;128;p17"/>
-          <p:cNvSpPr txBox="1">
-            <a:spLocks noGrp="1"/>
-          </p:cNvSpPr>
-          <p:nvPr>
-            <p:ph type="body" idx="1"/>
-          </p:nvPr>
-        </p:nvSpPr>
-        <p:spPr>
-          <a:xfrm>
-            <a:off x="1435608" y="1085850"/>
-            <a:ext cx="7498200" cy="3600600"/>
-          </a:xfrm>
-          <a:prstGeom prst="rect">
-            <a:avLst/>
-          </a:prstGeom>
-          <a:noFill/>
-          <a:ln>
-            <a:noFill/>
-          </a:ln>
-        </p:spPr>
-        <p:txBody>
-          <a:bodyPr spcFirstLastPara="1" wrap="square" lIns="91425" tIns="45700" rIns="91425" bIns="45700" anchor="t" anchorCtr="0">
-            <a:normAutofit/>
-          </a:bodyPr>
-          <a:lstStyle/>
-          <a:p>
-            <a:pPr marL="0" marR="0" lvl="0" indent="0" algn="l" rtl="0">
-              <a:lnSpc>
-                <a:spcPct val="100000"/>
-              </a:lnSpc>
-              <a:spcBef>
-                <a:spcPts val="0"/>
-              </a:spcBef>
-              <a:spcAft>
-                <a:spcPts val="0"/>
-              </a:spcAft>
-              <a:buSzPts val="2560"/>
-              <a:buNone/>
-            </a:pPr>
-            <a:r>
-              <a:rPr lang="uk-UA" dirty="0">
-                <a:highlight>
-                  <a:srgbClr val="FFFF00"/>
-                </a:highlight>
-              </a:rPr>
-              <a:t>Добавить с </a:t>
-            </a:r>
-            <a:r>
-              <a:rPr lang="uk-UA" dirty="0" err="1">
-                <a:highlight>
-                  <a:srgbClr val="FFFF00"/>
-                </a:highlight>
-              </a:rPr>
-              <a:t>еще</a:t>
-            </a:r>
-            <a:r>
-              <a:rPr lang="uk-UA" dirty="0">
-                <a:highlight>
-                  <a:srgbClr val="FFFF00"/>
-                </a:highlight>
-              </a:rPr>
-              <a:t> одними </a:t>
-            </a:r>
-            <a:r>
-              <a:rPr lang="uk-UA" dirty="0" err="1">
-                <a:highlight>
-                  <a:srgbClr val="FFFF00"/>
-                </a:highlight>
-              </a:rPr>
-              <a:t>играми</a:t>
-            </a:r>
-            <a:r>
-              <a:rPr lang="uk-UA" dirty="0">
-                <a:highlight>
-                  <a:srgbClr val="FFFF00"/>
-                </a:highlight>
-              </a:rPr>
-              <a:t> </a:t>
-            </a:r>
-            <a:r>
-              <a:rPr lang="uk-UA" dirty="0" err="1">
-                <a:highlight>
-                  <a:srgbClr val="FFFF00"/>
-                </a:highlight>
-              </a:rPr>
-              <a:t>сравнение</a:t>
-            </a:r>
-            <a:endParaRPr dirty="0">
-              <a:highlight>
-                <a:srgbClr val="FFFF00"/>
-              </a:highlight>
-            </a:endParaRPr>
-          </a:p>
-        </p:txBody>
-      </p:sp>
-      <p:sp>
-        <p:nvSpPr>
           <p:cNvPr id="129" name="Google Shape;129;p17"/>
           <p:cNvSpPr txBox="1">
             <a:spLocks noGrp="1"/>
@@ -18135,14 +19413,14 @@
           <p:nvPr>
             <p:extLst>
               <p:ext uri="{D42A27DB-BD31-4B8C-83A1-F6EECF244321}">
-                <p14:modId xmlns:p14="http://schemas.microsoft.com/office/powerpoint/2010/main" val="4266521634"/>
+                <p14:modId xmlns:p14="http://schemas.microsoft.com/office/powerpoint/2010/main" val="3372750651"/>
               </p:ext>
             </p:extLst>
           </p:nvPr>
         </p:nvGraphicFramePr>
         <p:xfrm>
-          <a:off x="2136708" y="1740218"/>
-          <a:ext cx="6096000" cy="2519680"/>
+          <a:off x="335500" y="1063378"/>
+          <a:ext cx="8473000" cy="3972560"/>
         </p:xfrm>
         <a:graphic>
           <a:graphicData uri="http://schemas.openxmlformats.org/drawingml/2006/table">
@@ -18151,24 +19429,38 @@
                 <a:tableStyleId>{5C22544A-7EE6-4342-B048-85BDC9FD1C3A}</a:tableStyleId>
               </a:tblPr>
               <a:tblGrid>
-                <a:gridCol w="2032000">
+                <a:gridCol w="1694600">
                   <a:extLst>
                     <a:ext uri="{9D8B030D-6E8A-4147-A177-3AD203B41FA5}">
                       <a16:colId xmlns:a16="http://schemas.microsoft.com/office/drawing/2014/main" val="3532460107"/>
                     </a:ext>
                   </a:extLst>
                 </a:gridCol>
-                <a:gridCol w="2032000">
+                <a:gridCol w="1694600">
                   <a:extLst>
                     <a:ext uri="{9D8B030D-6E8A-4147-A177-3AD203B41FA5}">
                       <a16:colId xmlns:a16="http://schemas.microsoft.com/office/drawing/2014/main" val="254360791"/>
                     </a:ext>
                   </a:extLst>
                 </a:gridCol>
-                <a:gridCol w="2032000">
+                <a:gridCol w="1694600">
                   <a:extLst>
                     <a:ext uri="{9D8B030D-6E8A-4147-A177-3AD203B41FA5}">
                       <a16:colId xmlns:a16="http://schemas.microsoft.com/office/drawing/2014/main" val="807575474"/>
+                    </a:ext>
+                  </a:extLst>
+                </a:gridCol>
+                <a:gridCol w="1694600">
+                  <a:extLst>
+                    <a:ext uri="{9D8B030D-6E8A-4147-A177-3AD203B41FA5}">
+                      <a16:colId xmlns:a16="http://schemas.microsoft.com/office/drawing/2014/main" val="3458956436"/>
+                    </a:ext>
+                  </a:extLst>
+                </a:gridCol>
+                <a:gridCol w="1694600">
+                  <a:extLst>
+                    <a:ext uri="{9D8B030D-6E8A-4147-A177-3AD203B41FA5}">
+                      <a16:colId xmlns:a16="http://schemas.microsoft.com/office/drawing/2014/main" val="2078792784"/>
                     </a:ext>
                   </a:extLst>
                 </a:gridCol>
@@ -18194,8 +19486,57 @@
                     <a:lstStyle/>
                     <a:p>
                       <a:r>
+                        <a:rPr lang="en-US" sz="1400" b="1" i="0" u="none" strike="noStrike" cap="none" dirty="0">
+                          <a:solidFill>
+                            <a:schemeClr val="accent2">
+                              <a:lumMod val="20000"/>
+                              <a:lumOff val="80000"/>
+                            </a:schemeClr>
+                          </a:solidFill>
+                          <a:effectLst/>
+                          <a:latin typeface="+mn-lt"/>
+                          <a:ea typeface="+mn-ea"/>
+                          <a:cs typeface="+mn-cs"/>
+                          <a:sym typeface="Arial"/>
+                        </a:rPr>
+                        <a:t>Echoes of Eternity </a:t>
+                      </a:r>
+                      <a:r>
+                        <a:rPr lang="uk-UA" sz="1400" b="1" i="0" u="none" strike="noStrike" cap="none" dirty="0">
+                          <a:solidFill>
+                            <a:schemeClr val="accent2">
+                              <a:lumMod val="20000"/>
+                              <a:lumOff val="80000"/>
+                            </a:schemeClr>
+                          </a:solidFill>
+                          <a:effectLst/>
+                          <a:latin typeface="+mn-lt"/>
+                          <a:ea typeface="+mn-ea"/>
+                          <a:cs typeface="+mn-cs"/>
+                          <a:sym typeface="Arial"/>
+                        </a:rPr>
+                        <a:t>(запропоноване рішення)</a:t>
+                      </a:r>
+                      <a:endParaRPr lang="uk-UA" dirty="0">
+                        <a:solidFill>
+                          <a:schemeClr val="accent2">
+                            <a:lumMod val="20000"/>
+                            <a:lumOff val="80000"/>
+                          </a:schemeClr>
+                        </a:solidFill>
+                      </a:endParaRPr>
+                    </a:p>
+                  </a:txBody>
+                  <a:tcPr/>
+                </a:tc>
+                <a:tc>
+                  <a:txBody>
+                    <a:bodyPr/>
+                    <a:lstStyle/>
+                    <a:p>
+                      <a:r>
                         <a:rPr lang="en-US" dirty="0"/>
-                        <a:t>My 3D RPG</a:t>
+                        <a:t>Crimson Keep</a:t>
                       </a:r>
                       <a:endParaRPr lang="uk-UA" dirty="0"/>
                     </a:p>
@@ -18209,7 +19550,38 @@
                     <a:p>
                       <a:r>
                         <a:rPr lang="en-US" dirty="0"/>
-                        <a:t>Crimson Keep</a:t>
+                        <a:t>The </a:t>
+                      </a:r>
+                      <a:r>
+                        <a:rPr lang="en-US" dirty="0" err="1"/>
+                        <a:t>Withcher</a:t>
+                      </a:r>
+                      <a:r>
+                        <a:rPr lang="en-US" dirty="0"/>
+                        <a:t> 3</a:t>
+                      </a:r>
+                      <a:endParaRPr lang="uk-UA" dirty="0"/>
+                    </a:p>
+                  </a:txBody>
+                  <a:tcPr/>
+                </a:tc>
+                <a:tc>
+                  <a:txBody>
+                    <a:bodyPr/>
+                    <a:lstStyle/>
+                    <a:p>
+                      <a:r>
+                        <a:rPr lang="en-US" sz="1400" b="0" i="0" u="none" strike="noStrike" cap="none" dirty="0">
+                          <a:solidFill>
+                            <a:schemeClr val="lt1"/>
+                          </a:solidFill>
+                          <a:effectLst/>
+                          <a:latin typeface="+mn-lt"/>
+                          <a:ea typeface="+mn-ea"/>
+                          <a:cs typeface="+mn-cs"/>
+                          <a:sym typeface="Arial"/>
+                        </a:rPr>
+                        <a:t>Adventure War : Battlefield</a:t>
                       </a:r>
                       <a:endParaRPr lang="uk-UA" dirty="0"/>
                     </a:p>
@@ -18250,6 +19622,33 @@
                         <a:rPr lang="uk-UA" dirty="0"/>
                         <a:t>+</a:t>
                       </a:r>
+                    </a:p>
+                  </a:txBody>
+                  <a:tcPr/>
+                </a:tc>
+                <a:tc>
+                  <a:txBody>
+                    <a:bodyPr/>
+                    <a:lstStyle/>
+                    <a:p>
+                      <a:r>
+                        <a:rPr lang="uk-UA" dirty="0"/>
+                        <a:t>+</a:t>
+                      </a:r>
+                    </a:p>
+                  </a:txBody>
+                  <a:tcPr/>
+                </a:tc>
+                <a:tc>
+                  <a:txBody>
+                    <a:bodyPr/>
+                    <a:lstStyle/>
+                    <a:p>
+                      <a:r>
+                        <a:rPr lang="en-US" dirty="0"/>
+                        <a:t>+</a:t>
+                      </a:r>
+                      <a:endParaRPr lang="uk-UA" dirty="0"/>
                     </a:p>
                   </a:txBody>
                   <a:tcPr/>
@@ -18313,44 +19712,16 @@
                   </a:txBody>
                   <a:tcPr/>
                 </a:tc>
-                <a:extLst>
-                  <a:ext uri="{0D108BD9-81ED-4DB2-BD59-A6C34878D82A}">
-                    <a16:rowId xmlns:a16="http://schemas.microsoft.com/office/drawing/2014/main" val="783574117"/>
-                  </a:ext>
-                </a:extLst>
-              </a:tr>
-              <a:tr h="370840">
                 <a:tc>
                   <a:txBody>
                     <a:bodyPr/>
                     <a:lstStyle/>
                     <a:p>
                       <a:r>
-                        <a:rPr lang="ru-RU" dirty="0" err="1"/>
-                        <a:t>Досвідчений</a:t>
-                      </a:r>
-                      <a:r>
-                        <a:rPr lang="ru-RU" dirty="0"/>
-                        <a:t> ШІ </a:t>
-                      </a:r>
-                      <a:r>
-                        <a:rPr lang="ru-RU" dirty="0" err="1"/>
-                        <a:t>ворогів</a:t>
+                        <a:rPr lang="en-US" dirty="0"/>
+                        <a:t>+</a:t>
                       </a:r>
                       <a:endParaRPr lang="uk-UA" dirty="0"/>
-                    </a:p>
-                  </a:txBody>
-                  <a:tcPr/>
-                </a:tc>
-                <a:tc>
-                  <a:txBody>
-                    <a:bodyPr/>
-                    <a:lstStyle/>
-                    <a:p>
-                      <a:r>
-                        <a:rPr lang="uk-UA" dirty="0"/>
-                        <a:t>+</a:t>
-                      </a:r>
                     </a:p>
                   </a:txBody>
                   <a:tcPr/>
@@ -18370,7 +19741,7 @@
                 </a:tc>
                 <a:extLst>
                   <a:ext uri="{0D108BD9-81ED-4DB2-BD59-A6C34878D82A}">
-                    <a16:rowId xmlns:a16="http://schemas.microsoft.com/office/drawing/2014/main" val="1183700586"/>
+                    <a16:rowId xmlns:a16="http://schemas.microsoft.com/office/drawing/2014/main" val="783574117"/>
                   </a:ext>
                 </a:extLst>
               </a:tr>
@@ -18440,6 +19811,32 @@
                   </a:txBody>
                   <a:tcPr/>
                 </a:tc>
+                <a:tc>
+                  <a:txBody>
+                    <a:bodyPr/>
+                    <a:lstStyle/>
+                    <a:p>
+                      <a:r>
+                        <a:rPr lang="uk-UA" dirty="0"/>
+                        <a:t>+</a:t>
+                      </a:r>
+                    </a:p>
+                  </a:txBody>
+                  <a:tcPr/>
+                </a:tc>
+                <a:tc>
+                  <a:txBody>
+                    <a:bodyPr/>
+                    <a:lstStyle/>
+                    <a:p>
+                      <a:r>
+                        <a:rPr lang="uk-UA" dirty="0"/>
+                        <a:t>+</a:t>
+                      </a:r>
+                    </a:p>
+                  </a:txBody>
+                  <a:tcPr/>
+                </a:tc>
                 <a:extLst>
                   <a:ext uri="{0D108BD9-81ED-4DB2-BD59-A6C34878D82A}">
                     <a16:rowId xmlns:a16="http://schemas.microsoft.com/office/drawing/2014/main" val="2758616737"/>
@@ -18454,7 +19851,33 @@
                     <a:p>
                       <a:r>
                         <a:rPr lang="uk-UA" dirty="0"/>
-                        <a:t>Візуальна складова</a:t>
+                        <a:t>Гарна візуальна складова</a:t>
+                      </a:r>
+                    </a:p>
+                  </a:txBody>
+                  <a:tcPr/>
+                </a:tc>
+                <a:tc>
+                  <a:txBody>
+                    <a:bodyPr/>
+                    <a:lstStyle/>
+                    <a:p>
+                      <a:r>
+                        <a:rPr lang="uk-UA" dirty="0"/>
+                        <a:t>+</a:t>
+                      </a:r>
+                    </a:p>
+                  </a:txBody>
+                  <a:tcPr/>
+                </a:tc>
+                <a:tc>
+                  <a:txBody>
+                    <a:bodyPr/>
+                    <a:lstStyle/>
+                    <a:p>
+                      <a:r>
+                        <a:rPr lang="uk-UA" dirty="0"/>
+                        <a:t>+</a:t>
                       </a:r>
                     </a:p>
                   </a:txBody>
@@ -18489,6 +19912,157 @@
                 <a:extLst>
                   <a:ext uri="{0D108BD9-81ED-4DB2-BD59-A6C34878D82A}">
                     <a16:rowId xmlns:a16="http://schemas.microsoft.com/office/drawing/2014/main" val="770803678"/>
+                  </a:ext>
+                </a:extLst>
+              </a:tr>
+              <a:tr h="370840">
+                <a:tc>
+                  <a:txBody>
+                    <a:bodyPr/>
+                    <a:lstStyle/>
+                    <a:p>
+                      <a:r>
+                        <a:rPr lang="uk-UA" dirty="0"/>
+                        <a:t>Система класів</a:t>
+                      </a:r>
+                      <a:br>
+                        <a:rPr lang="uk-UA" dirty="0"/>
+                      </a:br>
+                      <a:r>
+                        <a:rPr lang="uk-UA" dirty="0"/>
+                        <a:t>(Класи персонажів)</a:t>
+                      </a:r>
+                    </a:p>
+                  </a:txBody>
+                  <a:tcPr/>
+                </a:tc>
+                <a:tc>
+                  <a:txBody>
+                    <a:bodyPr/>
+                    <a:lstStyle/>
+                    <a:p>
+                      <a:r>
+                        <a:rPr lang="uk-UA" dirty="0"/>
+                        <a:t>+</a:t>
+                      </a:r>
+                    </a:p>
+                  </a:txBody>
+                  <a:tcPr/>
+                </a:tc>
+                <a:tc>
+                  <a:txBody>
+                    <a:bodyPr/>
+                    <a:lstStyle/>
+                    <a:p>
+                      <a:r>
+                        <a:rPr lang="uk-UA" dirty="0"/>
+                        <a:t>+</a:t>
+                      </a:r>
+                    </a:p>
+                  </a:txBody>
+                  <a:tcPr/>
+                </a:tc>
+                <a:tc>
+                  <a:txBody>
+                    <a:bodyPr/>
+                    <a:lstStyle/>
+                    <a:p>
+                      <a:r>
+                        <a:rPr lang="uk-UA" dirty="0"/>
+                        <a:t>-</a:t>
+                      </a:r>
+                    </a:p>
+                  </a:txBody>
+                  <a:tcPr/>
+                </a:tc>
+                <a:tc>
+                  <a:txBody>
+                    <a:bodyPr/>
+                    <a:lstStyle/>
+                    <a:p>
+                      <a:r>
+                        <a:rPr lang="uk-UA" dirty="0"/>
+                        <a:t>+</a:t>
+                      </a:r>
+                    </a:p>
+                  </a:txBody>
+                  <a:tcPr/>
+                </a:tc>
+                <a:extLst>
+                  <a:ext uri="{0D108BD9-81ED-4DB2-BD59-A6C34878D82A}">
+                    <a16:rowId xmlns:a16="http://schemas.microsoft.com/office/drawing/2014/main" val="2535949211"/>
+                  </a:ext>
+                </a:extLst>
+              </a:tr>
+              <a:tr h="370840">
+                <a:tc>
+                  <a:txBody>
+                    <a:bodyPr/>
+                    <a:lstStyle/>
+                    <a:p>
+                      <a:r>
+                        <a:rPr lang="uk-UA" dirty="0"/>
+                        <a:t>Магія</a:t>
+                      </a:r>
+                    </a:p>
+                  </a:txBody>
+                  <a:tcPr/>
+                </a:tc>
+                <a:tc>
+                  <a:txBody>
+                    <a:bodyPr/>
+                    <a:lstStyle/>
+                    <a:p>
+                      <a:r>
+                        <a:rPr lang="uk-UA" dirty="0"/>
+                        <a:t>+</a:t>
+                      </a:r>
+                    </a:p>
+                  </a:txBody>
+                  <a:tcPr/>
+                </a:tc>
+                <a:tc>
+                  <a:txBody>
+                    <a:bodyPr/>
+                    <a:lstStyle/>
+                    <a:p>
+                      <a:r>
+                        <a:rPr lang="uk-UA" dirty="0"/>
+                        <a:t>+</a:t>
+                      </a:r>
+                    </a:p>
+                  </a:txBody>
+                  <a:tcPr/>
+                </a:tc>
+                <a:tc>
+                  <a:txBody>
+                    <a:bodyPr/>
+                    <a:lstStyle/>
+                    <a:p>
+                      <a:r>
+                        <a:rPr lang="uk-UA" dirty="0"/>
+                        <a:t>+</a:t>
+                      </a:r>
+                    </a:p>
+                  </a:txBody>
+                  <a:tcPr/>
+                </a:tc>
+                <a:tc>
+                  <a:txBody>
+                    <a:bodyPr/>
+                    <a:lstStyle/>
+                    <a:p>
+                      <a:r>
+                        <a:rPr lang="uk-UA" dirty="0"/>
+                        <a:t>+</a:t>
+                      </a:r>
+                    </a:p>
+                  </a:txBody>
+                  <a:tcPr/>
+                </a:tc>
+                <a:extLst>
+                  <a:ext uri="{0D108BD9-81ED-4DB2-BD59-A6C34878D82A}">
+                    <a16:rowId xmlns:a16="http://schemas.microsoft.com/office/drawing/2014/main" val="7618336"/>
                   </a:ext>
                 </a:extLst>
               </a:tr>
@@ -18533,7 +20107,7 @@
         </p:nvSpPr>
         <p:spPr>
           <a:xfrm>
-            <a:off x="1435608" y="205978"/>
+            <a:off x="1435608" y="69989"/>
             <a:ext cx="7498200" cy="857400"/>
           </a:xfrm>
           <a:prstGeom prst="rect">
@@ -18690,41 +20264,32 @@
       </p:sp>
       <p:pic>
         <p:nvPicPr>
-          <p:cNvPr id="5" name="Рисунок 4">
+          <p:cNvPr id="3" name="Рисунок 2">
             <a:extLst>
               <a:ext uri="{FF2B5EF4-FFF2-40B4-BE49-F238E27FC236}">
-                <a16:creationId xmlns:a16="http://schemas.microsoft.com/office/drawing/2014/main" id="{87F8940D-0041-40D0-B132-14709A765136}"/>
+                <a16:creationId xmlns:a16="http://schemas.microsoft.com/office/drawing/2014/main" id="{39E4136A-B5B5-4A9D-8EDA-B4855816C501}"/>
               </a:ext>
             </a:extLst>
           </p:cNvPr>
-          <p:cNvPicPr/>
+          <p:cNvPicPr>
+            <a:picLocks noChangeAspect="1"/>
+          </p:cNvPicPr>
           <p:nvPr/>
         </p:nvPicPr>
         <p:blipFill>
-          <a:blip r:embed="rId3" cstate="print">
-            <a:extLst>
-              <a:ext uri="{28A0092B-C50C-407E-A947-70E740481C1C}">
-                <a14:useLocalDpi xmlns:a14="http://schemas.microsoft.com/office/drawing/2010/main" val="0"/>
-              </a:ext>
-            </a:extLst>
-          </a:blip>
-          <a:srcRect/>
+          <a:blip r:embed="rId3"/>
           <a:stretch>
             <a:fillRect/>
           </a:stretch>
         </p:blipFill>
-        <p:spPr bwMode="auto">
+        <p:spPr>
           <a:xfrm>
-            <a:off x="2352413" y="916062"/>
-            <a:ext cx="5443220" cy="3940175"/>
+            <a:off x="1225418" y="0"/>
+            <a:ext cx="7102514" cy="5143500"/>
           </a:xfrm>
           <a:prstGeom prst="rect">
             <a:avLst/>
           </a:prstGeom>
-          <a:noFill/>
-          <a:ln>
-            <a:noFill/>
-          </a:ln>
         </p:spPr>
       </p:pic>
     </p:spTree>
@@ -18740,7 +20305,7 @@
   <p:cSld>
     <p:spTree>
       <p:nvGrpSpPr>
-        <p:cNvPr id="1" name="Shape 140"/>
+        <p:cNvPr id="1" name=""/>
         <p:cNvGrpSpPr/>
         <p:nvPr/>
       </p:nvGrpSpPr>
@@ -18754,260 +20319,171 @@
       </p:grpSpPr>
       <p:sp>
         <p:nvSpPr>
-          <p:cNvPr id="141" name="Google Shape;141;p19"/>
-          <p:cNvSpPr txBox="1">
+          <p:cNvPr id="2" name="Заголовок 1">
+            <a:extLst>
+              <a:ext uri="{FF2B5EF4-FFF2-40B4-BE49-F238E27FC236}">
+                <a16:creationId xmlns:a16="http://schemas.microsoft.com/office/drawing/2014/main" id="{7F123DDE-FF95-4AC2-A102-5AF25C87B644}"/>
+              </a:ext>
+            </a:extLst>
+          </p:cNvPr>
+          <p:cNvSpPr>
             <a:spLocks noGrp="1"/>
           </p:cNvSpPr>
           <p:nvPr>
             <p:ph type="title"/>
           </p:nvPr>
         </p:nvSpPr>
-        <p:spPr>
-          <a:xfrm>
-            <a:off x="1435608" y="205978"/>
-            <a:ext cx="7498200" cy="857400"/>
-          </a:xfrm>
-          <a:prstGeom prst="rect">
-            <a:avLst/>
-          </a:prstGeom>
-          <a:noFill/>
-          <a:ln>
-            <a:noFill/>
-          </a:ln>
-        </p:spPr>
+        <p:spPr/>
         <p:txBody>
-          <a:bodyPr spcFirstLastPara="1" wrap="square" lIns="91425" tIns="45700" rIns="91425" bIns="45700" anchor="ctr" anchorCtr="0">
-            <a:normAutofit fontScale="90000"/>
+          <a:bodyPr>
+            <a:noAutofit/>
           </a:bodyPr>
           <a:lstStyle/>
           <a:p>
-            <a:pPr marL="0" lvl="0" indent="0" algn="l" rtl="0">
-              <a:lnSpc>
-                <a:spcPct val="100000"/>
-              </a:lnSpc>
-              <a:spcBef>
-                <a:spcPts val="0"/>
-              </a:spcBef>
-              <a:spcAft>
-                <a:spcPts val="0"/>
-              </a:spcAft>
-              <a:buClr>
-                <a:srgbClr val="562214"/>
-              </a:buClr>
-              <a:buSzPts val="4300"/>
-              <a:buFont typeface="Gill Sans"/>
-              <a:buNone/>
-            </a:pPr>
             <a:r>
-              <a:rPr lang="ru-RU" dirty="0" err="1">
-                <a:latin typeface="Times New Roman" panose="02020603050405020304" pitchFamily="18" charset="0"/>
-                <a:cs typeface="Times New Roman" panose="02020603050405020304" pitchFamily="18" charset="0"/>
-              </a:rPr>
-              <a:t>Засоби</a:t>
+              <a:rPr lang="ru-RU" sz="2800" dirty="0"/>
+              <a:t>Схема </a:t>
             </a:r>
             <a:r>
-              <a:rPr lang="ru-RU" dirty="0">
-                <a:latin typeface="Times New Roman" panose="02020603050405020304" pitchFamily="18" charset="0"/>
-                <a:cs typeface="Times New Roman" panose="02020603050405020304" pitchFamily="18" charset="0"/>
+              <a:rPr lang="ru-RU" sz="2800" dirty="0" err="1"/>
+              <a:t>бізнес-процесу</a:t>
+            </a:r>
+            <a:r>
+              <a:rPr lang="ru-RU" sz="2800" dirty="0"/>
+              <a:t> «</a:t>
+            </a:r>
+            <a:r>
+              <a:rPr lang="ru-RU" sz="2800" dirty="0" err="1">
+                <a:latin typeface="Times New Roman"/>
+                <a:ea typeface="Times New Roman"/>
+                <a:cs typeface="Times New Roman"/>
+                <a:sym typeface="Times New Roman"/>
+              </a:rPr>
+              <a:t>основний</a:t>
+            </a:r>
+            <a:r>
+              <a:rPr lang="ru-RU" sz="2800" dirty="0">
+                <a:latin typeface="Times New Roman"/>
+                <a:ea typeface="Times New Roman"/>
+                <a:cs typeface="Times New Roman"/>
+                <a:sym typeface="Times New Roman"/>
               </a:rPr>
               <a:t> </a:t>
             </a:r>
             <a:r>
-              <a:rPr lang="ru-RU" dirty="0" err="1">
-                <a:latin typeface="Times New Roman" panose="02020603050405020304" pitchFamily="18" charset="0"/>
-                <a:cs typeface="Times New Roman" panose="02020603050405020304" pitchFamily="18" charset="0"/>
+              <a:rPr lang="ru-RU" sz="2800" dirty="0" err="1">
+                <a:latin typeface="Times New Roman"/>
+                <a:ea typeface="Times New Roman"/>
+                <a:cs typeface="Times New Roman"/>
+                <a:sym typeface="Times New Roman"/>
               </a:rPr>
-              <a:t>розробки</a:t>
+              <a:t>ігровий</a:t>
             </a:r>
             <a:r>
-              <a:rPr lang="ru-RU" dirty="0">
-                <a:latin typeface="Times New Roman" panose="02020603050405020304" pitchFamily="18" charset="0"/>
-                <a:cs typeface="Times New Roman" panose="02020603050405020304" pitchFamily="18" charset="0"/>
+              <a:rPr lang="ru-RU" sz="2800" dirty="0">
+                <a:latin typeface="Times New Roman"/>
+                <a:ea typeface="Times New Roman"/>
+                <a:cs typeface="Times New Roman"/>
+                <a:sym typeface="Times New Roman"/>
               </a:rPr>
               <a:t> </a:t>
             </a:r>
             <a:r>
-              <a:rPr lang="ru-RU" dirty="0">
-                <a:highlight>
-                  <a:srgbClr val="FFFF00"/>
-                </a:highlight>
-                <a:latin typeface="Times New Roman" panose="02020603050405020304" pitchFamily="18" charset="0"/>
-                <a:cs typeface="Times New Roman" panose="02020603050405020304" pitchFamily="18" charset="0"/>
+              <a:rPr lang="ru-RU" sz="2800" dirty="0" err="1">
+                <a:latin typeface="Times New Roman"/>
+                <a:ea typeface="Times New Roman"/>
+                <a:cs typeface="Times New Roman"/>
+                <a:sym typeface="Times New Roman"/>
               </a:rPr>
-              <a:t>(гит хаб</a:t>
+              <a:t>процес</a:t>
             </a:r>
             <a:r>
-              <a:rPr lang="en-US" dirty="0">
-                <a:highlight>
-                  <a:srgbClr val="FFFF00"/>
-                </a:highlight>
-                <a:latin typeface="Times New Roman" panose="02020603050405020304" pitchFamily="18" charset="0"/>
-                <a:cs typeface="Times New Roman" panose="02020603050405020304" pitchFamily="18" charset="0"/>
+              <a:rPr lang="ru-RU" sz="2800" dirty="0">
+                <a:latin typeface="Times New Roman"/>
+                <a:ea typeface="Times New Roman"/>
+                <a:cs typeface="Times New Roman"/>
+                <a:sym typeface="Times New Roman"/>
               </a:rPr>
-              <a:t> photoshop</a:t>
+              <a:t>»</a:t>
             </a:r>
-            <a:r>
-              <a:rPr lang="ru-RU" dirty="0">
-                <a:highlight>
-                  <a:srgbClr val="FFFF00"/>
-                </a:highlight>
-                <a:latin typeface="Times New Roman" panose="02020603050405020304" pitchFamily="18" charset="0"/>
-                <a:cs typeface="Times New Roman" panose="02020603050405020304" pitchFamily="18" charset="0"/>
-              </a:rPr>
-              <a:t>)</a:t>
-            </a:r>
-            <a:endParaRPr dirty="0">
-              <a:highlight>
-                <a:srgbClr val="FFFF00"/>
-              </a:highlight>
-              <a:latin typeface="Times New Roman" panose="02020603050405020304" pitchFamily="18" charset="0"/>
-              <a:cs typeface="Times New Roman" panose="02020603050405020304" pitchFamily="18" charset="0"/>
-            </a:endParaRPr>
+            <a:endParaRPr lang="uk-UA" sz="2800" dirty="0"/>
           </a:p>
         </p:txBody>
       </p:sp>
       <p:sp>
         <p:nvSpPr>
-          <p:cNvPr id="143" name="Google Shape;143;p19"/>
-          <p:cNvSpPr txBox="1">
+          <p:cNvPr id="4" name="Місце для номера слайда 3">
+            <a:extLst>
+              <a:ext uri="{FF2B5EF4-FFF2-40B4-BE49-F238E27FC236}">
+                <a16:creationId xmlns:a16="http://schemas.microsoft.com/office/drawing/2014/main" id="{9E890890-531B-4779-99BF-A701C14D4541}"/>
+              </a:ext>
+            </a:extLst>
+          </p:cNvPr>
+          <p:cNvSpPr>
             <a:spLocks noGrp="1"/>
           </p:cNvSpPr>
           <p:nvPr>
             <p:ph type="sldNum" idx="12"/>
           </p:nvPr>
         </p:nvSpPr>
+        <p:spPr/>
+        <p:txBody>
+          <a:bodyPr/>
+          <a:lstStyle/>
+          <a:p>
+            <a:pPr marL="0" lvl="0" indent="0" algn="ctr" rtl="0">
+              <a:spcBef>
+                <a:spcPts val="0"/>
+              </a:spcBef>
+              <a:spcAft>
+                <a:spcPts val="0"/>
+              </a:spcAft>
+              <a:buNone/>
+            </a:pPr>
+            <a:fld id="{00000000-1234-1234-1234-123412341234}" type="slidenum">
+              <a:rPr lang="ru-RU" smtClean="0"/>
+              <a:t>8</a:t>
+            </a:fld>
+            <a:endParaRPr lang="ru-RU"/>
+          </a:p>
+        </p:txBody>
+      </p:sp>
+      <p:pic>
+        <p:nvPicPr>
+          <p:cNvPr id="6" name="Рисунок 5">
+            <a:extLst>
+              <a:ext uri="{FF2B5EF4-FFF2-40B4-BE49-F238E27FC236}">
+                <a16:creationId xmlns:a16="http://schemas.microsoft.com/office/drawing/2014/main" id="{B9D86F61-3CEB-4E33-9067-257434978C5C}"/>
+              </a:ext>
+            </a:extLst>
+          </p:cNvPr>
+          <p:cNvPicPr>
+            <a:picLocks noChangeAspect="1"/>
+          </p:cNvPicPr>
+          <p:nvPr/>
+        </p:nvPicPr>
+        <p:blipFill>
+          <a:blip r:embed="rId2"/>
+          <a:stretch>
+            <a:fillRect/>
+          </a:stretch>
+        </p:blipFill>
         <p:spPr>
           <a:xfrm>
-            <a:off x="8686798" y="-12"/>
-            <a:ext cx="457200" cy="357000"/>
+            <a:off x="1225418" y="904878"/>
+            <a:ext cx="7586663" cy="3981596"/>
           </a:xfrm>
           <a:prstGeom prst="rect">
             <a:avLst/>
           </a:prstGeom>
         </p:spPr>
-        <p:txBody>
-          <a:bodyPr spcFirstLastPara="1" wrap="square" lIns="91425" tIns="45700" rIns="91425" bIns="45700" anchor="b" anchorCtr="0">
-            <a:noAutofit/>
-          </a:bodyPr>
-          <a:lstStyle/>
-          <a:p>
-            <a:pPr marL="0" lvl="0" indent="0" algn="ctr" rtl="0">
-              <a:spcBef>
-                <a:spcPts val="0"/>
-              </a:spcBef>
-              <a:spcAft>
-                <a:spcPts val="0"/>
-              </a:spcAft>
-              <a:buClr>
-                <a:srgbClr val="000000"/>
-              </a:buClr>
-              <a:buSzPts val="1200"/>
-              <a:buFont typeface="Arial"/>
-              <a:buNone/>
-            </a:pPr>
-            <a:fld id="{00000000-1234-1234-1234-123412341234}" type="slidenum">
-              <a:rPr lang="ru-RU"/>
-              <a:t>8</a:t>
-            </a:fld>
-            <a:endParaRPr/>
-          </a:p>
-        </p:txBody>
-      </p:sp>
-      <p:pic>
-        <p:nvPicPr>
-          <p:cNvPr id="1026" name="Picture 2">
-            <a:extLst>
-              <a:ext uri="{FF2B5EF4-FFF2-40B4-BE49-F238E27FC236}">
-                <a16:creationId xmlns:a16="http://schemas.microsoft.com/office/drawing/2014/main" id="{D7A37E34-2DEE-415C-9234-4FF709D8590C}"/>
-              </a:ext>
-            </a:extLst>
-          </p:cNvPr>
-          <p:cNvPicPr>
-            <a:picLocks noChangeAspect="1" noChangeArrowheads="1"/>
-          </p:cNvPicPr>
-          <p:nvPr/>
-        </p:nvPicPr>
-        <p:blipFill>
-          <a:blip r:embed="rId3">
-            <a:extLst>
-              <a:ext uri="{28A0092B-C50C-407E-A947-70E740481C1C}">
-                <a14:useLocalDpi xmlns:a14="http://schemas.microsoft.com/office/drawing/2010/main" val="0"/>
-              </a:ext>
-            </a:extLst>
-          </a:blip>
-          <a:srcRect/>
-          <a:stretch>
-            <a:fillRect/>
-          </a:stretch>
-        </p:blipFill>
-        <p:spPr bwMode="auto">
-          <a:xfrm>
-            <a:off x="427975" y="1269368"/>
-            <a:ext cx="3740615" cy="1360519"/>
-          </a:xfrm>
-          <a:prstGeom prst="rect">
-            <a:avLst/>
-          </a:prstGeom>
-          <a:noFill/>
-          <a:extLst>
-            <a:ext uri="{909E8E84-426E-40DD-AFC4-6F175D3DCCD1}">
-              <a14:hiddenFill xmlns:a14="http://schemas.microsoft.com/office/drawing/2010/main">
-                <a:solidFill>
-                  <a:srgbClr val="FFFFFF"/>
-                </a:solidFill>
-              </a14:hiddenFill>
-            </a:ext>
-          </a:extLst>
-        </p:spPr>
-      </p:pic>
-      <p:pic>
-        <p:nvPicPr>
-          <p:cNvPr id="1032" name="Picture 8" descr="Visual Studio logo and symbol, meaning, history, PNG">
-            <a:extLst>
-              <a:ext uri="{FF2B5EF4-FFF2-40B4-BE49-F238E27FC236}">
-                <a16:creationId xmlns:a16="http://schemas.microsoft.com/office/drawing/2014/main" id="{9340C89A-A17B-42A7-980A-00053591DBB7}"/>
-              </a:ext>
-            </a:extLst>
-          </p:cNvPr>
-          <p:cNvPicPr>
-            <a:picLocks noChangeAspect="1" noChangeArrowheads="1"/>
-          </p:cNvPicPr>
-          <p:nvPr/>
-        </p:nvPicPr>
-        <p:blipFill>
-          <a:blip r:embed="rId4">
-            <a:extLst>
-              <a:ext uri="{28A0092B-C50C-407E-A947-70E740481C1C}">
-                <a14:useLocalDpi xmlns:a14="http://schemas.microsoft.com/office/drawing/2010/main" val="0"/>
-              </a:ext>
-            </a:extLst>
-          </a:blip>
-          <a:srcRect/>
-          <a:stretch>
-            <a:fillRect/>
-          </a:stretch>
-        </p:blipFill>
-        <p:spPr bwMode="auto">
-          <a:xfrm>
-            <a:off x="4975412" y="2571750"/>
-            <a:ext cx="3585882" cy="2017059"/>
-          </a:xfrm>
-          <a:prstGeom prst="rect">
-            <a:avLst/>
-          </a:prstGeom>
-          <a:noFill/>
-          <a:extLst>
-            <a:ext uri="{909E8E84-426E-40DD-AFC4-6F175D3DCCD1}">
-              <a14:hiddenFill xmlns:a14="http://schemas.microsoft.com/office/drawing/2010/main">
-                <a:solidFill>
-                  <a:srgbClr val="FFFFFF"/>
-                </a:solidFill>
-              </a14:hiddenFill>
-            </a:ext>
-          </a:extLst>
-        </p:spPr>
       </p:pic>
     </p:spTree>
+    <p:extLst>
+      <p:ext uri="{BB962C8B-B14F-4D97-AF65-F5344CB8AC3E}">
+        <p14:creationId xmlns:p14="http://schemas.microsoft.com/office/powerpoint/2010/main" val="731412218"/>
+      </p:ext>
+    </p:extLst>
   </p:cSld>
   <p:clrMapOvr>
     <a:masterClrMapping/>
@@ -19037,7 +20513,7 @@
           <p:cNvPr id="2" name="Заголовок 1">
             <a:extLst>
               <a:ext uri="{FF2B5EF4-FFF2-40B4-BE49-F238E27FC236}">
-                <a16:creationId xmlns:a16="http://schemas.microsoft.com/office/drawing/2014/main" id="{29D11215-9EE6-46DC-865F-690D87B58216}"/>
+                <a16:creationId xmlns:a16="http://schemas.microsoft.com/office/drawing/2014/main" id="{2F984BA8-99B0-4AA4-A745-83800D86C31F}"/>
               </a:ext>
             </a:extLst>
           </p:cNvPr>
@@ -19050,28 +20526,21 @@
         </p:nvSpPr>
         <p:spPr/>
         <p:txBody>
-          <a:bodyPr>
-            <a:normAutofit fontScale="90000"/>
-          </a:bodyPr>
+          <a:bodyPr/>
           <a:lstStyle/>
           <a:p>
             <a:r>
               <a:rPr lang="ru-RU" dirty="0" err="1"/>
-              <a:t>Ігровий</a:t>
+              <a:t>Арх</a:t>
             </a:r>
             <a:r>
-              <a:rPr lang="ru-RU" dirty="0"/>
-              <a:t> </a:t>
+              <a:rPr lang="uk-UA" dirty="0" err="1"/>
+              <a:t>ітектура</a:t>
             </a:r>
             <a:r>
-              <a:rPr lang="ru-RU" dirty="0" err="1"/>
-              <a:t>інтелект</a:t>
+              <a:rPr lang="uk-UA" dirty="0"/>
+              <a:t> проекту</a:t>
             </a:r>
-            <a:r>
-              <a:rPr lang="ru-RU" dirty="0"/>
-              <a:t> (структура элементов игры)</a:t>
-            </a:r>
-            <a:endParaRPr lang="uk-UA" dirty="0"/>
           </a:p>
         </p:txBody>
       </p:sp>
@@ -19080,7 +20549,7 @@
           <p:cNvPr id="3" name="Місце для тексту 2">
             <a:extLst>
               <a:ext uri="{FF2B5EF4-FFF2-40B4-BE49-F238E27FC236}">
-                <a16:creationId xmlns:a16="http://schemas.microsoft.com/office/drawing/2014/main" id="{1943D6E1-FE2B-4149-8394-CF075C12FB93}"/>
+                <a16:creationId xmlns:a16="http://schemas.microsoft.com/office/drawing/2014/main" id="{F8073CED-8BCA-445F-AFDA-C5F53A625F49}"/>
               </a:ext>
             </a:extLst>
           </p:cNvPr>
@@ -19105,7 +20574,7 @@
           <p:cNvPr id="4" name="Місце для номера слайда 3">
             <a:extLst>
               <a:ext uri="{FF2B5EF4-FFF2-40B4-BE49-F238E27FC236}">
-                <a16:creationId xmlns:a16="http://schemas.microsoft.com/office/drawing/2014/main" id="{5F95664B-C5D1-4008-97D4-D095E2FF2EF0}"/>
+                <a16:creationId xmlns:a16="http://schemas.microsoft.com/office/drawing/2014/main" id="{98F9230D-1863-49C1-80ED-39C3A4B44088}"/>
               </a:ext>
             </a:extLst>
           </p:cNvPr>
@@ -19138,10 +20607,40 @@
           </a:p>
         </p:txBody>
       </p:sp>
+      <p:pic>
+        <p:nvPicPr>
+          <p:cNvPr id="6" name="Рисунок 5">
+            <a:extLst>
+              <a:ext uri="{FF2B5EF4-FFF2-40B4-BE49-F238E27FC236}">
+                <a16:creationId xmlns:a16="http://schemas.microsoft.com/office/drawing/2014/main" id="{A686C37F-C1FD-4B98-B1B0-0F26029544CC}"/>
+              </a:ext>
+            </a:extLst>
+          </p:cNvPr>
+          <p:cNvPicPr>
+            <a:picLocks noChangeAspect="1"/>
+          </p:cNvPicPr>
+          <p:nvPr/>
+        </p:nvPicPr>
+        <p:blipFill>
+          <a:blip r:embed="rId2"/>
+          <a:stretch>
+            <a:fillRect/>
+          </a:stretch>
+        </p:blipFill>
+        <p:spPr>
+          <a:xfrm>
+            <a:off x="1888362" y="794925"/>
+            <a:ext cx="6331714" cy="4189825"/>
+          </a:xfrm>
+          <a:prstGeom prst="rect">
+            <a:avLst/>
+          </a:prstGeom>
+        </p:spPr>
+      </p:pic>
     </p:spTree>
     <p:extLst>
       <p:ext uri="{BB962C8B-B14F-4D97-AF65-F5344CB8AC3E}">
-        <p14:creationId xmlns:p14="http://schemas.microsoft.com/office/powerpoint/2010/main" val="2726880049"/>
+        <p14:creationId xmlns:p14="http://schemas.microsoft.com/office/powerpoint/2010/main" val="2872647204"/>
       </p:ext>
     </p:extLst>
   </p:cSld>
